--- a/Empresa/Documents/poster_PA_ENGLISH.pptx
+++ b/Empresa/Documents/poster_PA_ENGLISH.pptx
@@ -2773,7 +2773,7 @@
           <a:bodyPr/>
           <a:lstStyle/>
           <a:p>
-            <a:endParaRPr lang="pt-PT"/>
+            <a:endParaRPr lang="en-US" dirty="0"/>
           </a:p>
         </p:txBody>
       </p:sp>
@@ -2824,7 +2824,7 @@
           <a:bodyPr/>
           <a:lstStyle/>
           <a:p>
-            <a:endParaRPr lang="pt-PT"/>
+            <a:endParaRPr lang="en-GB" dirty="0"/>
           </a:p>
         </p:txBody>
       </p:sp>
@@ -3090,7 +3090,7 @@
         <p:spPr>
           <a:xfrm>
             <a:off x="1525680" y="19916280"/>
-            <a:ext cx="11608200" cy="1230102"/>
+            <a:ext cx="11608200" cy="845381"/>
           </a:xfrm>
           <a:prstGeom prst="rect">
             <a:avLst/>
@@ -3130,23 +3130,8 @@
                 </a:solidFill>
                 <a:latin typeface="Calibri"/>
               </a:rPr>
-              <a:t>A model home was built to simulate a smart residence, equipped with light, temperature, humidity, and movement sensors, along with an API capable of connecting the Android app and the database.</a:t>
-            </a:r>
-            <a:r>
-              <a:rPr lang="pt-PT" sz="2400" spc="-1" dirty="0">
-                <a:solidFill>
-                  <a:srgbClr val="004B87"/>
-                </a:solidFill>
-                <a:latin typeface="Calibri"/>
-              </a:rPr>
-              <a:t>    </a:t>
-            </a:r>
-            <a:endParaRPr lang="en-US" sz="2400" spc="-1" dirty="0">
-              <a:solidFill>
-                <a:srgbClr val="004B87"/>
-              </a:solidFill>
-              <a:latin typeface="Calibri"/>
-            </a:endParaRPr>
+              <a:t>A model home was built to simulate a smart residence , equipped with light, temperature, humidity, and movement sensors (figure 1). ***</a:t>
+            </a:r>
           </a:p>
         </p:txBody>
       </p:sp>
@@ -3317,7 +3302,7 @@
               </a:lnSpc>
             </a:pPr>
             <a:r>
-              <a:rPr lang="pt-PT" sz="3600" b="1" strike="noStrike" spc="-1" dirty="0">
+              <a:rPr lang="en-US" sz="3600" b="1" strike="noStrike" spc="-1" dirty="0">
                 <a:solidFill>
                   <a:srgbClr val="004B87"/>
                 </a:solidFill>
@@ -3368,15 +3353,7 @@
           </a:bodyPr>
           <a:lstStyle/>
           <a:p>
-            <a:r>
-              <a:rPr lang="en-US" sz="2400" spc="-1" dirty="0" err="1">
-                <a:solidFill>
-                  <a:srgbClr val="004B87"/>
-                </a:solidFill>
-                <a:latin typeface="Calibri"/>
-              </a:rPr>
-              <a:t>IoT</a:t>
-            </a:r>
+            <a:pPr algn="just"/>
             <a:r>
               <a:rPr lang="en-US" sz="2400" spc="-1" dirty="0">
                 <a:solidFill>
@@ -3384,19 +3361,11 @@
                 </a:solidFill>
                 <a:latin typeface="Calibri"/>
               </a:rPr>
-              <a:t>, or the Internet of Things, has emerged as one of the most promising technologies of the 21st century, fundamentally changing the way we interact with the world around us. Its primary goal is to create an environment where objects, devices, and systems are interconnected and capable of autonomously capturing, transmitting, and sharing information.</a:t>
-            </a:r>
-          </a:p>
-          <a:p>
-            <a:r>
-              <a:rPr lang="en-US" sz="2400" spc="-1" dirty="0" err="1">
-                <a:solidFill>
-                  <a:srgbClr val="004B87"/>
-                </a:solidFill>
-                <a:latin typeface="Calibri"/>
-              </a:rPr>
-              <a:t>IoT</a:t>
-            </a:r>
+              <a:t>IoT, or the Internet of Things, has emerged as one of the most promising technologies of the 21st century, fundamentally changing the way we interact with the world around us [1].</a:t>
+            </a:r>
+          </a:p>
+          <a:p>
+            <a:pPr algn="just"/>
             <a:r>
               <a:rPr lang="en-US" sz="2400" spc="-1" dirty="0">
                 <a:solidFill>
@@ -3404,17 +3373,11 @@
                 </a:solidFill>
                 <a:latin typeface="Calibri"/>
               </a:rPr>
-              <a:t> aims to enhance the quality of life for everyone by optimizing company workflows and fostering innovation. Smart houses, driven by </a:t>
-            </a:r>
-            <a:r>
-              <a:rPr lang="en-US" sz="2400" spc="-1" dirty="0" err="1">
-                <a:solidFill>
-                  <a:srgbClr val="004B87"/>
-                </a:solidFill>
-                <a:latin typeface="Calibri"/>
-              </a:rPr>
-              <a:t>IoT</a:t>
-            </a:r>
+              <a:t> Its primary goal is to create an environment where objects, devices, and systems are interconnected and capable of autonomously capturing, transmitting, and sharing information.</a:t>
+            </a:r>
+          </a:p>
+          <a:p>
+            <a:pPr algn="just"/>
             <a:r>
               <a:rPr lang="en-US" sz="2400" spc="-1" dirty="0">
                 <a:solidFill>
@@ -3422,10 +3385,11 @@
                 </a:solidFill>
                 <a:latin typeface="Calibri"/>
               </a:rPr>
-              <a:t>, represent a significant breakthrough in the way we develop and interact with our homes.</a:t>
-            </a:r>
-          </a:p>
-          <a:p>
+              <a:t>IoT aims to enhance the quality of life for everyone by optimizing company workflows and fostering innovation. Smart houses, driven by IoT, represent a significant breakthrough in the way we develop and interact with our homes.</a:t>
+            </a:r>
+          </a:p>
+          <a:p>
+            <a:pPr algn="just"/>
             <a:r>
               <a:rPr lang="en-US" sz="2400" spc="-1" dirty="0">
                 <a:solidFill>
@@ -3433,25 +3397,7 @@
                 </a:solidFill>
                 <a:latin typeface="Calibri"/>
               </a:rPr>
-              <a:t>In essence, </a:t>
-            </a:r>
-            <a:r>
-              <a:rPr lang="en-US" sz="2400" spc="-1" dirty="0" err="1">
-                <a:solidFill>
-                  <a:srgbClr val="004B87"/>
-                </a:solidFill>
-                <a:latin typeface="Calibri"/>
-              </a:rPr>
-              <a:t>IoT</a:t>
-            </a:r>
-            <a:r>
-              <a:rPr lang="en-US" sz="2400" spc="-1" dirty="0">
-                <a:solidFill>
-                  <a:srgbClr val="004B87"/>
-                </a:solidFill>
-                <a:latin typeface="Calibri"/>
-              </a:rPr>
-              <a:t> is intended to simulate a residence, demonstrating how easy it is to incorporate this technology into our daily lives.</a:t>
+              <a:t>In essence, IoT is intended to simulate a residence, demonstrating how easy it is to incorporate this technology into our daily lives.</a:t>
             </a:r>
           </a:p>
         </p:txBody>
@@ -3465,7 +3411,7 @@
         <p:spPr>
           <a:xfrm>
             <a:off x="7918200" y="12299400"/>
-            <a:ext cx="5712120" cy="5261525"/>
+            <a:ext cx="5977800" cy="5630857"/>
           </a:xfrm>
           <a:prstGeom prst="rect">
             <a:avLst/>
@@ -3488,11 +3434,12 @@
           <a:fontRef idx="minor"/>
         </p:style>
         <p:txBody>
-          <a:bodyPr lIns="90000" tIns="45000" rIns="90000" bIns="45000">
+          <a:bodyPr wrap="square" lIns="90000" tIns="45000" rIns="90000" bIns="45000">
             <a:spAutoFit/>
           </a:bodyPr>
           <a:lstStyle/>
           <a:p>
+            <a:pPr algn="just"/>
             <a:r>
               <a:rPr lang="en-US" sz="2400" spc="-1" dirty="0">
                 <a:solidFill>
@@ -3500,10 +3447,11 @@
                 </a:solidFill>
                 <a:latin typeface="Calibri"/>
               </a:rPr>
-              <a:t>We adopted SCRUM as our methodology for project management, defining delivery dates and specifying the main roles for each active member of the project. The GIT platform was chosen to control the various versions of the project during its development. Discord served as the platform for online meetings, and Trello was used to organize and manage various tasks.</a:t>
-            </a:r>
-          </a:p>
-          <a:p>
+              <a:t>We adopted SCRUM (Sprint, Cycle, Review, Update and Meeting) as our methodology for project management, defining delivery dates and specifying the main roles for each active member of the project [2].</a:t>
+            </a:r>
+          </a:p>
+          <a:p>
+            <a:pPr algn="just"/>
             <a:r>
               <a:rPr lang="en-US" sz="2400" spc="-1" dirty="0">
                 <a:solidFill>
@@ -3511,7 +3459,31 @@
                 </a:solidFill>
                 <a:latin typeface="Calibri"/>
               </a:rPr>
-              <a:t>Visual Studio was employed to create the API, leveraging its strength as a development tool. SQL Server Management Studio was utilized to manage and manipulate data in the database.</a:t>
+              <a:t>The GIT (Global Information Tracker) platform was chosen to control the various versions of the project during its development [3]. </a:t>
+            </a:r>
+          </a:p>
+          <a:p>
+            <a:pPr algn="just"/>
+            <a:r>
+              <a:rPr lang="en-US" sz="2400" spc="-1" dirty="0">
+                <a:solidFill>
+                  <a:srgbClr val="004B87"/>
+                </a:solidFill>
+                <a:latin typeface="Calibri"/>
+              </a:rPr>
+              <a:t>Discord served as the platform for online meetings, and Trello was used to organize and manage various tasks  [4].</a:t>
+            </a:r>
+          </a:p>
+          <a:p>
+            <a:pPr algn="just"/>
+            <a:r>
+              <a:rPr lang="en-US" sz="2400" spc="-1" dirty="0">
+                <a:solidFill>
+                  <a:srgbClr val="004B87"/>
+                </a:solidFill>
+                <a:latin typeface="Calibri"/>
+              </a:rPr>
+              <a:t>Visual Studio was employed to create the API (Application programming interface), leveraging its strength as a development tool [5][6]. </a:t>
             </a:r>
           </a:p>
         </p:txBody>
@@ -3524,8 +3496,8 @@
         </p:nvSpPr>
         <p:spPr>
           <a:xfrm>
-            <a:off x="14144760" y="12299400"/>
-            <a:ext cx="5616000" cy="1614822"/>
+            <a:off x="14247720" y="12299400"/>
+            <a:ext cx="5513040" cy="3153705"/>
           </a:xfrm>
           <a:prstGeom prst="rect">
             <a:avLst/>
@@ -3548,7 +3520,7 @@
           <a:fontRef idx="minor"/>
         </p:style>
         <p:txBody>
-          <a:bodyPr lIns="90000" tIns="45000" rIns="90000" bIns="45000">
+          <a:bodyPr wrap="square" lIns="90000" tIns="45000" rIns="90000" bIns="45000">
             <a:spAutoFit/>
           </a:bodyPr>
           <a:lstStyle/>
@@ -3565,7 +3537,23 @@
                 </a:solidFill>
                 <a:latin typeface="Calibri"/>
               </a:rPr>
-              <a:t>We used Android Studio for the development of an Android app, which allows users to manage their residence through it.</a:t>
+              <a:t>SQL (Structured Query Language) Server Management Studio was utilized to manage and manipulate data in the database [7]. </a:t>
+            </a:r>
+          </a:p>
+          <a:p>
+            <a:pPr algn="just">
+              <a:lnSpc>
+                <a:spcPts val="2999"/>
+              </a:lnSpc>
+            </a:pPr>
+            <a:r>
+              <a:rPr lang="en-US" sz="2400" spc="-1" dirty="0">
+                <a:solidFill>
+                  <a:srgbClr val="004B87"/>
+                </a:solidFill>
+                <a:latin typeface="Calibri"/>
+              </a:rPr>
+              <a:t>We used Android Studio for the development of an Android application, which allows users to manage their residence through it [8].</a:t>
             </a:r>
           </a:p>
         </p:txBody>
@@ -3579,7 +3567,7 @@
         <p:spPr>
           <a:xfrm>
             <a:off x="7918200" y="5695560"/>
-            <a:ext cx="6064500" cy="4692588"/>
+            <a:ext cx="5497200" cy="4692588"/>
           </a:xfrm>
           <a:prstGeom prst="rect">
             <a:avLst/>
@@ -3607,19 +3595,7 @@
           </a:bodyPr>
           <a:lstStyle/>
           <a:p>
-            <a:pPr marL="457200" indent="-457200" algn="just">
-              <a:lnSpc>
-                <a:spcPts val="2999"/>
-              </a:lnSpc>
-              <a:buFont typeface="+mj-lt"/>
-              <a:buAutoNum type="arabicPeriod"/>
-            </a:pPr>
-            <a:endParaRPr lang="en-US" sz="2400" b="0" strike="noStrike" spc="-1" dirty="0">
-              <a:latin typeface="Arial"/>
-            </a:endParaRPr>
-          </a:p>
-          <a:p>
-            <a:pPr marL="514710" indent="-514350" algn="just">
+            <a:pPr marL="457560" indent="-457200" algn="just">
               <a:lnSpc>
                 <a:spcPts val="2999"/>
               </a:lnSpc>
@@ -3630,22 +3606,13 @@
               <a:buAutoNum type="arabicPeriod"/>
             </a:pPr>
             <a:r>
-              <a:rPr lang="en-US" sz="2400" spc="-1" dirty="0">
-                <a:solidFill>
-                  <a:srgbClr val="004B87"/>
-                </a:solidFill>
-                <a:latin typeface="Calibri"/>
-              </a:rPr>
-              <a:t>Develop a model with the aim of simulating a smart </a:t>
-            </a:r>
-            <a:r>
-              <a:rPr lang="en-US" sz="2400" spc="-1" dirty="0" smtClean="0">
-                <a:solidFill>
-                  <a:srgbClr val="004B87"/>
-                </a:solidFill>
-                <a:latin typeface="Calibri"/>
-              </a:rPr>
-              <a:t>house:</a:t>
+              <a:rPr lang="en-US" sz="2400" b="1" spc="-1" dirty="0">
+                <a:solidFill>
+                  <a:srgbClr val="004B87"/>
+                </a:solidFill>
+                <a:latin typeface="Calibri"/>
+              </a:rPr>
+              <a:t>Develop a model with the aim of simulating a smart house:</a:t>
             </a:r>
           </a:p>
           <a:p>
@@ -3660,29 +3627,14 @@
               <a:buAutoNum type="romanLcPeriod"/>
             </a:pPr>
             <a:r>
-              <a:rPr lang="en-US" sz="2400" spc="-1" dirty="0" smtClean="0">
-                <a:solidFill>
-                  <a:srgbClr val="004B87"/>
-                </a:solidFill>
-                <a:latin typeface="Calibri"/>
-              </a:rPr>
-              <a:t>Implement </a:t>
-            </a:r>
-            <a:r>
-              <a:rPr lang="en-US" sz="2400" spc="-1" dirty="0" smtClean="0">
-                <a:solidFill>
-                  <a:srgbClr val="004B87"/>
-                </a:solidFill>
-                <a:latin typeface="Calibri"/>
-              </a:rPr>
-              <a:t>a system to control de inside lighting;</a:t>
-            </a:r>
-            <a:endParaRPr lang="en-US" sz="2400" spc="-1" dirty="0">
-              <a:solidFill>
-                <a:srgbClr val="004B87"/>
-              </a:solidFill>
-              <a:latin typeface="Calibri"/>
-            </a:endParaRPr>
+              <a:rPr lang="en-US" sz="2400" spc="-1" dirty="0">
+                <a:solidFill>
+                  <a:srgbClr val="004B87"/>
+                </a:solidFill>
+                <a:latin typeface="Calibri"/>
+              </a:rPr>
+              <a:t>Implement a system to control de inside lighting;</a:t>
+            </a:r>
           </a:p>
           <a:p>
             <a:pPr marL="971910" lvl="1" indent="-514350" algn="just">
@@ -3696,40 +3648,13 @@
               <a:buAutoNum type="romanLcPeriod"/>
             </a:pPr>
             <a:r>
-              <a:rPr lang="en-US" sz="2400" spc="-1" dirty="0" smtClean="0">
-                <a:solidFill>
-                  <a:srgbClr val="004B87"/>
-                </a:solidFill>
-                <a:latin typeface="Calibri"/>
-              </a:rPr>
-              <a:t>Implement a system focused on </a:t>
-            </a:r>
-            <a:r>
-              <a:rPr lang="en-US" sz="2400" spc="-1" dirty="0" smtClean="0">
-                <a:solidFill>
-                  <a:srgbClr val="004B87"/>
-                </a:solidFill>
-                <a:latin typeface="Calibri"/>
-              </a:rPr>
-              <a:t>controlling </a:t>
-            </a:r>
-            <a:r>
               <a:rPr lang="en-US" sz="2400" spc="-1" dirty="0">
                 <a:solidFill>
                   <a:srgbClr val="004B87"/>
                 </a:solidFill>
                 <a:latin typeface="Calibri"/>
               </a:rPr>
-              <a:t>the </a:t>
-            </a:r>
-            <a:r>
-              <a:rPr lang="en-US" sz="2400" spc="-1" dirty="0" smtClean="0">
-                <a:solidFill>
-                  <a:srgbClr val="004B87"/>
-                </a:solidFill>
-                <a:latin typeface="Calibri"/>
-              </a:rPr>
-              <a:t>environments temperature;</a:t>
+              <a:t>Implement a system focused on controlling the environments temperature;</a:t>
             </a:r>
           </a:p>
           <a:p>
@@ -3744,13 +3669,13 @@
               <a:buAutoNum type="romanLcPeriod"/>
             </a:pPr>
             <a:r>
-              <a:rPr lang="en-US" sz="2400" spc="-1" dirty="0" smtClean="0">
-                <a:solidFill>
-                  <a:srgbClr val="004B87"/>
-                </a:solidFill>
-                <a:latin typeface="Calibri"/>
-              </a:rPr>
-              <a:t>Implement a alarm system with a motion sensor;</a:t>
+              <a:rPr lang="en-US" sz="2400" spc="-1" dirty="0">
+                <a:solidFill>
+                  <a:srgbClr val="004B87"/>
+                </a:solidFill>
+                <a:latin typeface="Calibri"/>
+              </a:rPr>
+              <a:t>Implement an alarm system with a motion sensor;</a:t>
             </a:r>
           </a:p>
           <a:p>
@@ -3765,20 +3690,14 @@
               <a:buAutoNum type="romanLcPeriod"/>
             </a:pPr>
             <a:r>
-              <a:rPr lang="en-US" sz="2400" spc="-1" dirty="0" smtClean="0">
-                <a:solidFill>
-                  <a:srgbClr val="004B87"/>
-                </a:solidFill>
-                <a:latin typeface="Calibri"/>
-              </a:rPr>
-              <a:t>Implement a system capable of connecting all of the previous systems;</a:t>
-            </a:r>
-            <a:endParaRPr lang="en-US" sz="2400" spc="-1" dirty="0">
-              <a:solidFill>
-                <a:srgbClr val="004B87"/>
-              </a:solidFill>
-              <a:latin typeface="Calibri"/>
-            </a:endParaRPr>
+              <a:rPr lang="en-US" sz="2400" spc="-1" dirty="0">
+                <a:solidFill>
+                  <a:srgbClr val="004B87"/>
+                </a:solidFill>
+                <a:latin typeface="Calibri"/>
+              </a:rPr>
+              <a:t>Implement a system capable of connecting all together the previous systems;</a:t>
+            </a:r>
           </a:p>
         </p:txBody>
       </p:sp>
@@ -3971,7 +3890,7 @@
               </a:lnSpc>
             </a:pPr>
             <a:r>
-              <a:rPr lang="pt-PT" sz="3200" spc="-1" dirty="0" err="1">
+              <a:rPr lang="en-US" sz="3200" spc="-1" dirty="0">
                 <a:solidFill>
                   <a:srgbClr val="004B87"/>
                 </a:solidFill>
@@ -3986,43 +3905,7 @@
                 </a:solidFill>
                 <a:latin typeface="Calibri"/>
               </a:rPr>
-              <a:t>: ESI 3rd </a:t>
-            </a:r>
-            <a:r>
-              <a:rPr lang="pt-PT" sz="3200" spc="-1" dirty="0" err="1">
-                <a:solidFill>
-                  <a:srgbClr val="004B87"/>
-                </a:solidFill>
-                <a:latin typeface="Calibri"/>
-              </a:rPr>
-              <a:t>year</a:t>
-            </a:r>
-            <a:r>
-              <a:rPr lang="pt-PT" sz="3200" spc="-1" dirty="0">
-                <a:solidFill>
-                  <a:srgbClr val="004B87"/>
-                </a:solidFill>
-                <a:latin typeface="Calibri"/>
-              </a:rPr>
-              <a:t> </a:t>
-            </a:r>
-            <a:r>
-              <a:rPr lang="pt-PT" sz="3200" spc="-1" dirty="0" err="1">
-                <a:solidFill>
-                  <a:srgbClr val="004B87"/>
-                </a:solidFill>
-                <a:latin typeface="Calibri"/>
-              </a:rPr>
-              <a:t>teachers</a:t>
-            </a:r>
-            <a:r>
-              <a:rPr lang="pt-PT" sz="3200" spc="-1" dirty="0">
-                <a:solidFill>
-                  <a:srgbClr val="004B87"/>
-                </a:solidFill>
-                <a:latin typeface="Calibri"/>
-              </a:rPr>
-              <a:t> 2023-2024</a:t>
+              <a:t>: ESI 3rd year teachers 2023-2024</a:t>
             </a:r>
             <a:endParaRPr lang="en-US" sz="3200" b="0" strike="noStrike" spc="-1" dirty="0">
               <a:latin typeface="Arial"/>
@@ -4039,7 +3922,7 @@
         <p:spPr>
           <a:xfrm>
             <a:off x="14457600" y="19916280"/>
-            <a:ext cx="5646600" cy="4130446"/>
+            <a:ext cx="5646600" cy="5476969"/>
           </a:xfrm>
           <a:prstGeom prst="rect">
             <a:avLst/>
@@ -4067,42 +3950,40 @@
           </a:bodyPr>
           <a:lstStyle/>
           <a:p>
-            <a:pPr algn="just">
+            <a:pPr marL="457200" indent="-457200" algn="just">
               <a:lnSpc>
                 <a:spcPts val="2100"/>
               </a:lnSpc>
+              <a:buFont typeface="+mj-lt"/>
+              <a:buAutoNum type="arabicPeriod"/>
             </a:pPr>
             <a:r>
-              <a:rPr lang="en-US" sz="2400" spc="-1" dirty="0">
-                <a:solidFill>
-                  <a:srgbClr val="004B87"/>
-                </a:solidFill>
-                <a:latin typeface="Calibri"/>
-                <a:hlinkClick r:id="rId3">
-                  <a:extLst>
-                    <a:ext uri="{A12FA001-AC4F-418D-AE19-62706E023703}">
-                      <ahyp:hlinkClr xmlns="" xmlns:ahyp="http://schemas.microsoft.com/office/drawing/2018/hyperlinkcolor" val="tx"/>
-                    </a:ext>
-                  </a:extLst>
-                </a:hlinkClick>
-              </a:rPr>
-              <a:t>https://www.crompton.co.in/</a:t>
-            </a:r>
-            <a:r>
               <a:rPr lang="pt-PT" sz="2400" spc="-1" dirty="0">
                 <a:solidFill>
                   <a:srgbClr val="004B87"/>
                 </a:solidFill>
                 <a:latin typeface="Calibri"/>
-              </a:rPr>
-              <a:t>;</a:t>
-            </a:r>
-          </a:p>
-          <a:p>
-            <a:pPr algn="just">
+                <a:hlinkClick r:id="rId3"/>
+              </a:rPr>
+              <a:t>https://www.oracle.com/pt/internet-of-things/what-is-iot/</a:t>
+            </a:r>
+            <a:r>
+              <a:rPr lang="pt-PT" sz="2400" spc="-1" dirty="0">
+                <a:solidFill>
+                  <a:srgbClr val="004B87"/>
+                </a:solidFill>
+                <a:latin typeface="Calibri"/>
+              </a:rPr>
+              <a:t> </a:t>
+            </a:r>
+          </a:p>
+          <a:p>
+            <a:pPr marL="457200" indent="-457200" algn="just">
               <a:lnSpc>
                 <a:spcPts val="2100"/>
               </a:lnSpc>
+              <a:buFont typeface="+mj-lt"/>
+              <a:buAutoNum type="arabicPeriod"/>
             </a:pPr>
             <a:r>
               <a:rPr lang="pt-PT" sz="2400" spc="-1" dirty="0">
@@ -4110,15 +3991,9 @@
                   <a:srgbClr val="004B87"/>
                 </a:solidFill>
                 <a:latin typeface="Calibri"/>
-                <a:hlinkClick r:id="rId4">
-                  <a:extLst>
-                    <a:ext uri="{A12FA001-AC4F-418D-AE19-62706E023703}">
-                      <ahyp:hlinkClr xmlns="" xmlns:ahyp="http://schemas.microsoft.com/office/drawing/2018/hyperlinkcolor" val="tx"/>
-                    </a:ext>
-                  </a:extLst>
-                </a:hlinkClick>
-              </a:rPr>
-              <a:t>www.researchgate.net</a:t>
+                <a:hlinkClick r:id="rId4"/>
+              </a:rPr>
+              <a:t>https://www.techtarget.com/searchsoftwarequality/definition/Scrum</a:t>
             </a:r>
             <a:endParaRPr lang="pt-PT" sz="2400" spc="-1" dirty="0">
               <a:solidFill>
@@ -4128,10 +4003,12 @@
             </a:endParaRPr>
           </a:p>
           <a:p>
-            <a:pPr algn="just">
+            <a:pPr marL="457200" indent="-457200" algn="just">
               <a:lnSpc>
                 <a:spcPts val="2100"/>
               </a:lnSpc>
+              <a:buFont typeface="+mj-lt"/>
+              <a:buAutoNum type="arabicPeriod"/>
             </a:pPr>
             <a:r>
               <a:rPr lang="pt-PT" sz="2400" spc="-1" dirty="0">
@@ -4139,15 +4016,9 @@
                   <a:srgbClr val="004B87"/>
                 </a:solidFill>
                 <a:latin typeface="Calibri"/>
-                <a:hlinkClick r:id="rId5">
-                  <a:extLst>
-                    <a:ext uri="{A12FA001-AC4F-418D-AE19-62706E023703}">
-                      <ahyp:hlinkClr xmlns="" xmlns:ahyp="http://schemas.microsoft.com/office/drawing/2018/hyperlinkcolor" val="tx"/>
-                    </a:ext>
-                  </a:extLst>
-                </a:hlinkClick>
-              </a:rPr>
-              <a:t>www.asurion.com</a:t>
+                <a:hlinkClick r:id="rId5"/>
+              </a:rPr>
+              <a:t>https://git-scm.com/book/en/v2/Getting-Started-What-is-Git%3F</a:t>
             </a:r>
             <a:endParaRPr lang="pt-PT" sz="2400" spc="-1" dirty="0">
               <a:solidFill>
@@ -4157,10 +4028,12 @@
             </a:endParaRPr>
           </a:p>
           <a:p>
-            <a:pPr algn="just">
+            <a:pPr marL="457200" indent="-457200" algn="just">
               <a:lnSpc>
                 <a:spcPts val="2100"/>
               </a:lnSpc>
+              <a:buFont typeface="+mj-lt"/>
+              <a:buAutoNum type="arabicPeriod"/>
             </a:pPr>
             <a:r>
               <a:rPr lang="pt-PT" sz="2400" spc="-1" dirty="0">
@@ -4170,7 +4043,7 @@
                 <a:latin typeface="Calibri"/>
                 <a:hlinkClick r:id="rId6"/>
               </a:rPr>
-              <a:t>https://www.firgelliauto.com/pt-pt</a:t>
+              <a:t>https://discord.com/</a:t>
             </a:r>
             <a:endParaRPr lang="pt-PT" sz="2400" spc="-1" dirty="0">
               <a:solidFill>
@@ -4180,10 +4053,12 @@
             </a:endParaRPr>
           </a:p>
           <a:p>
-            <a:pPr algn="just">
+            <a:pPr marL="457200" indent="-457200" algn="just">
               <a:lnSpc>
                 <a:spcPts val="2100"/>
               </a:lnSpc>
+              <a:buFont typeface="+mj-lt"/>
+              <a:buAutoNum type="arabicPeriod"/>
             </a:pPr>
             <a:r>
               <a:rPr lang="pt-PT" sz="2400" spc="-1" dirty="0">
@@ -4193,7 +4068,7 @@
                 <a:latin typeface="Calibri"/>
                 <a:hlinkClick r:id="rId7"/>
               </a:rPr>
-              <a:t>https://www.angi.com/</a:t>
+              <a:t>https://learn.microsoft.com/en-us/visualstudio/get-started/visual-studio-ide?view=vs-2022</a:t>
             </a:r>
             <a:endParaRPr lang="pt-PT" sz="2400" spc="-1" dirty="0">
               <a:solidFill>
@@ -4203,10 +4078,12 @@
             </a:endParaRPr>
           </a:p>
           <a:p>
-            <a:pPr algn="just">
+            <a:pPr marL="457200" indent="-457200" algn="just">
               <a:lnSpc>
                 <a:spcPts val="2100"/>
               </a:lnSpc>
+              <a:buFont typeface="+mj-lt"/>
+              <a:buAutoNum type="arabicPeriod"/>
             </a:pPr>
             <a:r>
               <a:rPr lang="pt-PT" sz="2400" spc="-1" dirty="0">
@@ -4216,7 +4093,7 @@
                 <a:latin typeface="Calibri"/>
                 <a:hlinkClick r:id="rId8"/>
               </a:rPr>
-              <a:t>https://www.taskrabbit.pt/</a:t>
+              <a:t>https://aws.amazon.com/what-is/api/</a:t>
             </a:r>
             <a:endParaRPr lang="pt-PT" sz="2400" spc="-1" dirty="0">
               <a:solidFill>
@@ -4226,10 +4103,12 @@
             </a:endParaRPr>
           </a:p>
           <a:p>
-            <a:pPr algn="just">
+            <a:pPr marL="457200" indent="-457200" algn="just">
               <a:lnSpc>
                 <a:spcPts val="2100"/>
               </a:lnSpc>
+              <a:buFont typeface="+mj-lt"/>
+              <a:buAutoNum type="arabicPeriod"/>
             </a:pPr>
             <a:r>
               <a:rPr lang="pt-PT" sz="2400" spc="-1" dirty="0">
@@ -4239,7 +4118,7 @@
                 <a:latin typeface="Calibri"/>
                 <a:hlinkClick r:id="rId9"/>
               </a:rPr>
-              <a:t>https://smartify.pt/</a:t>
+              <a:t>https://aws.amazon.com/what-is/sql/</a:t>
             </a:r>
             <a:endParaRPr lang="pt-PT" sz="2400" spc="-1" dirty="0">
               <a:solidFill>
@@ -4249,10 +4128,12 @@
             </a:endParaRPr>
           </a:p>
           <a:p>
-            <a:pPr algn="just">
+            <a:pPr marL="457200" indent="-457200" algn="just">
               <a:lnSpc>
                 <a:spcPts val="2100"/>
               </a:lnSpc>
+              <a:buFont typeface="+mj-lt"/>
+              <a:buAutoNum type="arabicPeriod"/>
             </a:pPr>
             <a:r>
               <a:rPr lang="pt-PT" sz="2400" spc="-1" dirty="0">
@@ -4262,7 +4143,7 @@
                 <a:latin typeface="Calibri"/>
                 <a:hlinkClick r:id="rId10"/>
               </a:rPr>
-              <a:t>https://www.apple.com/home-app/</a:t>
+              <a:t>https://developer.android.com/studio/intro</a:t>
             </a:r>
             <a:endParaRPr lang="pt-PT" sz="2400" spc="-1" dirty="0">
               <a:solidFill>
@@ -4272,21 +4153,13 @@
             </a:endParaRPr>
           </a:p>
           <a:p>
-            <a:pPr algn="just">
+            <a:pPr marL="457200" indent="-457200" algn="just">
               <a:lnSpc>
                 <a:spcPts val="2100"/>
               </a:lnSpc>
+              <a:buFont typeface="+mj-lt"/>
+              <a:buAutoNum type="arabicPeriod"/>
             </a:pPr>
-            <a:r>
-              <a:rPr lang="pt-PT" sz="2400" spc="-1" dirty="0">
-                <a:solidFill>
-                  <a:srgbClr val="004B87"/>
-                </a:solidFill>
-                <a:latin typeface="Calibri"/>
-                <a:hlinkClick r:id="rId11"/>
-              </a:rPr>
-              <a:t>https://www.home-assistant.io/</a:t>
-            </a:r>
             <a:endParaRPr lang="pt-PT" sz="2400" spc="-1" dirty="0">
               <a:solidFill>
                 <a:srgbClr val="004B87"/>
@@ -4295,21 +4168,13 @@
             </a:endParaRPr>
           </a:p>
           <a:p>
-            <a:pPr algn="just">
+            <a:pPr marL="457200" indent="-457200" algn="just">
               <a:lnSpc>
                 <a:spcPts val="2100"/>
               </a:lnSpc>
+              <a:buFont typeface="+mj-lt"/>
+              <a:buAutoNum type="arabicPeriod"/>
             </a:pPr>
-            <a:r>
-              <a:rPr lang="pt-PT" sz="2400" spc="-1" dirty="0">
-                <a:solidFill>
-                  <a:srgbClr val="004B87"/>
-                </a:solidFill>
-                <a:latin typeface="Calibri"/>
-                <a:hlinkClick r:id="rId12"/>
-              </a:rPr>
-              <a:t>https://sonoff.tech/</a:t>
-            </a:r>
             <a:endParaRPr lang="pt-PT" sz="2400" spc="-1" dirty="0">
               <a:solidFill>
                 <a:srgbClr val="004B87"/>
@@ -4318,67 +4183,13 @@
             </a:endParaRPr>
           </a:p>
           <a:p>
-            <a:pPr algn="just">
+            <a:pPr marL="457200" indent="-457200" algn="just">
               <a:lnSpc>
                 <a:spcPts val="2100"/>
               </a:lnSpc>
+              <a:buFont typeface="+mj-lt"/>
+              <a:buAutoNum type="arabicPeriod"/>
             </a:pPr>
-            <a:r>
-              <a:rPr lang="pt-PT" sz="2400" spc="-1" dirty="0">
-                <a:solidFill>
-                  <a:srgbClr val="004B87"/>
-                </a:solidFill>
-                <a:latin typeface="Calibri"/>
-                <a:hlinkClick r:id="rId13"/>
-              </a:rPr>
-              <a:t>https://home.google.com/welcome/</a:t>
-            </a:r>
-            <a:endParaRPr lang="pt-PT" sz="2400" spc="-1" dirty="0">
-              <a:solidFill>
-                <a:srgbClr val="004B87"/>
-              </a:solidFill>
-              <a:latin typeface="Calibri"/>
-            </a:endParaRPr>
-          </a:p>
-          <a:p>
-            <a:pPr algn="just">
-              <a:lnSpc>
-                <a:spcPts val="2100"/>
-              </a:lnSpc>
-            </a:pPr>
-            <a:r>
-              <a:rPr lang="pt-PT" sz="2400" spc="-1" dirty="0">
-                <a:solidFill>
-                  <a:srgbClr val="004B87"/>
-                </a:solidFill>
-                <a:latin typeface="Calibri"/>
-                <a:hlinkClick r:id="rId14"/>
-              </a:rPr>
-              <a:t>https://www.se.com/ww/en/</a:t>
-            </a:r>
-            <a:endParaRPr lang="pt-PT" sz="2400" spc="-1" dirty="0">
-              <a:solidFill>
-                <a:srgbClr val="004B87"/>
-              </a:solidFill>
-              <a:latin typeface="Calibri"/>
-            </a:endParaRPr>
-          </a:p>
-          <a:p>
-            <a:pPr algn="just">
-              <a:lnSpc>
-                <a:spcPts val="2100"/>
-              </a:lnSpc>
-            </a:pPr>
-            <a:r>
-              <a:rPr lang="pt-PT" sz="2400" spc="-1" dirty="0">
-                <a:solidFill>
-                  <a:srgbClr val="004B87"/>
-                </a:solidFill>
-                <a:latin typeface="Calibri"/>
-                <a:hlinkClick r:id="rId15"/>
-              </a:rPr>
-              <a:t>https://aminhacasadigital.pt/</a:t>
-            </a:r>
             <a:endParaRPr lang="pt-PT" sz="2400" spc="-1" dirty="0">
               <a:solidFill>
                 <a:srgbClr val="004B87"/>
@@ -4487,7 +4298,17 @@
                 <a:latin typeface="Calibri"/>
                 <a:ea typeface="Arial"/>
               </a:rPr>
-              <a:t>Email1: </a:t>
+              <a:t>Email</a:t>
+            </a:r>
+            <a:r>
+              <a:rPr lang="en-GB" spc="-1" dirty="0">
+                <a:solidFill>
+                  <a:srgbClr val="004B87"/>
+                </a:solidFill>
+                <a:latin typeface="Calibri"/>
+                <a:ea typeface="Arial"/>
+              </a:rPr>
+              <a:t> of Francisco Arantes: </a:t>
             </a:r>
             <a:r>
               <a:rPr lang="en-GB" sz="1800" b="0" strike="noStrike" spc="-1" dirty="0">
@@ -4496,7 +4317,7 @@
                 </a:solidFill>
                 <a:latin typeface="Calibri"/>
                 <a:ea typeface="Arial"/>
-                <a:hlinkClick r:id="rId16"/>
+                <a:hlinkClick r:id="rId11"/>
               </a:rPr>
               <a:t>a16622@alunos.ipca.pt</a:t>
             </a:r>
@@ -4524,7 +4345,7 @@
                 </a:solidFill>
                 <a:latin typeface="Calibri"/>
               </a:rPr>
-              <a:t>Email2: </a:t>
+              <a:t>Email of Tiago Oliveira: </a:t>
             </a:r>
             <a:r>
               <a:rPr lang="en-GB" spc="-1" dirty="0">
@@ -4532,7 +4353,7 @@
                   <a:srgbClr val="004B87"/>
                 </a:solidFill>
                 <a:latin typeface="Calibri"/>
-                <a:hlinkClick r:id="rId17"/>
+                <a:hlinkClick r:id="rId12"/>
               </a:rPr>
               <a:t>a23504@alunos.ipca.pt</a:t>
             </a:r>
@@ -4559,7 +4380,7 @@
                 </a:solidFill>
                 <a:latin typeface="Calibri"/>
               </a:rPr>
-              <a:t>Email3: </a:t>
+              <a:t>Email of Luis Ferreira: </a:t>
             </a:r>
             <a:r>
               <a:rPr lang="en-GB" sz="1800" b="0" strike="noStrike" spc="-1" dirty="0">
@@ -4567,7 +4388,7 @@
                   <a:srgbClr val="004B87"/>
                 </a:solidFill>
                 <a:latin typeface="Calibri"/>
-                <a:hlinkClick r:id="rId18"/>
+                <a:hlinkClick r:id="rId13"/>
               </a:rPr>
               <a:t>a23516@alunos.ipca</a:t>
             </a:r>
@@ -4577,7 +4398,7 @@
                   <a:srgbClr val="004B87"/>
                 </a:solidFill>
                 <a:latin typeface="Calibri"/>
-                <a:hlinkClick r:id="rId18"/>
+                <a:hlinkClick r:id="rId13"/>
               </a:rPr>
               <a:t>.pt</a:t>
             </a:r>
@@ -4614,8 +4435,8 @@
         </p:nvSpPr>
         <p:spPr>
           <a:xfrm>
-            <a:off x="14144760" y="5695560"/>
-            <a:ext cx="5616000" cy="4707527"/>
+            <a:off x="13896000" y="5695560"/>
+            <a:ext cx="5681538" cy="3911925"/>
           </a:xfrm>
           <a:prstGeom prst="rect">
             <a:avLst/>
@@ -4638,34 +4459,12 @@
           <a:fontRef idx="minor"/>
         </p:style>
         <p:txBody>
-          <a:bodyPr lIns="90000" tIns="45000" rIns="90000" bIns="45000">
+          <a:bodyPr wrap="square" lIns="90000" tIns="45000" rIns="90000" bIns="45000">
             <a:spAutoFit/>
           </a:bodyPr>
           <a:lstStyle/>
           <a:p>
-            <a:pPr algn="just">
-              <a:lnSpc>
-                <a:spcPts val="2999"/>
-              </a:lnSpc>
-            </a:pPr>
-            <a:endParaRPr lang="en-US" sz="2400" b="0" strike="noStrike" spc="-1" dirty="0">
-              <a:latin typeface="Arial"/>
-            </a:endParaRPr>
-          </a:p>
-          <a:p>
-            <a:pPr marL="457200" indent="-457200" algn="just">
-              <a:lnSpc>
-                <a:spcPts val="2999"/>
-              </a:lnSpc>
-              <a:buFont typeface="+mj-lt"/>
-              <a:buAutoNum type="arabicPeriod"/>
-            </a:pPr>
-            <a:endParaRPr lang="en-US" sz="2400" b="0" strike="noStrike" spc="-1" dirty="0">
-              <a:latin typeface="Arial"/>
-            </a:endParaRPr>
-          </a:p>
-          <a:p>
-            <a:pPr marL="514710" indent="-514350" algn="just">
+            <a:pPr marL="457560" indent="-457200" algn="just">
               <a:lnSpc>
                 <a:spcPts val="2999"/>
               </a:lnSpc>
@@ -4676,7 +4475,7 @@
               <a:buAutoNum type="arabicPeriod" startAt="2"/>
             </a:pPr>
             <a:r>
-              <a:rPr lang="pt-PT" sz="2400" spc="-1" dirty="0" err="1" smtClean="0">
+              <a:rPr lang="en-US" sz="2400" b="1" spc="-1" noProof="1">
                 <a:solidFill>
                   <a:srgbClr val="004B87"/>
                 </a:solidFill>
@@ -4685,78 +4484,15 @@
               <a:t>Control</a:t>
             </a:r>
             <a:r>
-              <a:rPr lang="pt-PT" sz="2400" spc="-1" dirty="0" smtClean="0">
-                <a:solidFill>
-                  <a:srgbClr val="004B87"/>
-                </a:solidFill>
-                <a:latin typeface="Calibri"/>
-              </a:rPr>
-              <a:t> de </a:t>
-            </a:r>
-            <a:r>
-              <a:rPr lang="pt-PT" sz="2400" spc="-1" dirty="0" err="1" smtClean="0">
-                <a:solidFill>
-                  <a:srgbClr val="004B87"/>
-                </a:solidFill>
-                <a:latin typeface="Calibri"/>
-              </a:rPr>
-              <a:t>residence</a:t>
-            </a:r>
-            <a:r>
-              <a:rPr lang="pt-PT" sz="2400" spc="-1" dirty="0" smtClean="0">
-                <a:solidFill>
-                  <a:srgbClr val="004B87"/>
-                </a:solidFill>
-                <a:latin typeface="Calibri"/>
-              </a:rPr>
-              <a:t> </a:t>
-            </a:r>
-            <a:r>
-              <a:rPr lang="pt-PT" sz="2400" spc="-1" dirty="0" err="1" smtClean="0">
-                <a:solidFill>
-                  <a:srgbClr val="004B87"/>
-                </a:solidFill>
-                <a:latin typeface="Calibri"/>
-              </a:rPr>
-              <a:t>through</a:t>
-            </a:r>
-            <a:r>
-              <a:rPr lang="pt-PT" sz="2400" spc="-1" dirty="0" smtClean="0">
-                <a:solidFill>
-                  <a:srgbClr val="004B87"/>
-                </a:solidFill>
-                <a:latin typeface="Calibri"/>
-              </a:rPr>
-              <a:t> </a:t>
-            </a:r>
-            <a:r>
-              <a:rPr lang="pt-PT" sz="2400" spc="-1" dirty="0" err="1" smtClean="0">
-                <a:solidFill>
-                  <a:srgbClr val="004B87"/>
-                </a:solidFill>
-                <a:latin typeface="Calibri"/>
-              </a:rPr>
-              <a:t>the</a:t>
-            </a:r>
-            <a:r>
-              <a:rPr lang="pt-PT" sz="2400" spc="-1" dirty="0" smtClean="0">
-                <a:solidFill>
-                  <a:srgbClr val="004B87"/>
-                </a:solidFill>
-                <a:latin typeface="Calibri"/>
-              </a:rPr>
-              <a:t> mobile App</a:t>
-            </a:r>
-            <a:r>
-              <a:rPr lang="pt-PT" sz="2400" spc="-1" dirty="0">
-                <a:solidFill>
-                  <a:srgbClr val="004B87"/>
-                </a:solidFill>
-                <a:latin typeface="Calibri"/>
-              </a:rPr>
-              <a:t>:</a:t>
-            </a:r>
-            <a:endParaRPr lang="pt-PT" sz="2400" b="0" strike="noStrike" spc="-1" dirty="0">
+              <a:rPr lang="pt-PT" sz="2400" b="1" spc="-1" dirty="0">
+                <a:solidFill>
+                  <a:srgbClr val="004B87"/>
+                </a:solidFill>
+                <a:latin typeface="Calibri"/>
+              </a:rPr>
+              <a:t> the residence through the mobile application:</a:t>
+            </a:r>
+            <a:endParaRPr lang="pt-PT" sz="2400" b="1" strike="noStrike" spc="-1" dirty="0">
               <a:solidFill>
                 <a:srgbClr val="004B87"/>
               </a:solidFill>
@@ -4775,97 +4511,16 @@
               <a:buAutoNum type="romanLcPeriod"/>
             </a:pPr>
             <a:r>
-              <a:rPr lang="pt-PT" sz="2400" spc="-1" dirty="0" err="1" smtClean="0">
-                <a:solidFill>
-                  <a:srgbClr val="004B87"/>
-                </a:solidFill>
-                <a:latin typeface="Calibri"/>
-              </a:rPr>
-              <a:t>Connect</a:t>
-            </a:r>
-            <a:r>
-              <a:rPr lang="pt-PT" sz="2400" spc="-1" dirty="0" smtClean="0">
-                <a:solidFill>
-                  <a:srgbClr val="004B87"/>
-                </a:solidFill>
-                <a:latin typeface="Calibri"/>
-              </a:rPr>
-              <a:t> </a:t>
-            </a:r>
-            <a:r>
-              <a:rPr lang="pt-PT" sz="2400" spc="-1" dirty="0" err="1" smtClean="0">
-                <a:solidFill>
-                  <a:srgbClr val="004B87"/>
-                </a:solidFill>
-                <a:latin typeface="Calibri"/>
-              </a:rPr>
-              <a:t>the</a:t>
-            </a:r>
-            <a:r>
-              <a:rPr lang="pt-PT" sz="2400" spc="-1" dirty="0" smtClean="0">
-                <a:solidFill>
-                  <a:srgbClr val="004B87"/>
-                </a:solidFill>
-                <a:latin typeface="Calibri"/>
-              </a:rPr>
-              <a:t> </a:t>
-            </a:r>
-            <a:r>
-              <a:rPr lang="pt-PT" sz="2400" spc="-1" dirty="0" err="1" smtClean="0">
-                <a:solidFill>
-                  <a:srgbClr val="004B87"/>
-                </a:solidFill>
-                <a:latin typeface="Calibri"/>
-              </a:rPr>
-              <a:t>user</a:t>
-            </a:r>
-            <a:r>
-              <a:rPr lang="pt-PT" sz="2400" spc="-1" dirty="0" smtClean="0">
-                <a:solidFill>
-                  <a:srgbClr val="004B87"/>
-                </a:solidFill>
-                <a:latin typeface="Calibri"/>
-              </a:rPr>
-              <a:t> to </a:t>
-            </a:r>
-            <a:r>
-              <a:rPr lang="pt-PT" sz="2400" spc="-1" dirty="0" err="1" smtClean="0">
-                <a:solidFill>
-                  <a:srgbClr val="004B87"/>
-                </a:solidFill>
-                <a:latin typeface="Calibri"/>
-              </a:rPr>
-              <a:t>his</a:t>
-            </a:r>
-            <a:r>
-              <a:rPr lang="pt-PT" sz="2400" spc="-1" dirty="0" smtClean="0">
-                <a:solidFill>
-                  <a:srgbClr val="004B87"/>
-                </a:solidFill>
-                <a:latin typeface="Calibri"/>
-              </a:rPr>
-              <a:t> </a:t>
-            </a:r>
-            <a:r>
-              <a:rPr lang="pt-PT" sz="2400" spc="-1" dirty="0" err="1" smtClean="0">
-                <a:solidFill>
-                  <a:srgbClr val="004B87"/>
-                </a:solidFill>
-                <a:latin typeface="Calibri"/>
-              </a:rPr>
-              <a:t>own</a:t>
-            </a:r>
-            <a:r>
-              <a:rPr lang="pt-PT" sz="2400" spc="-1" dirty="0" smtClean="0">
-                <a:solidFill>
-                  <a:srgbClr val="004B87"/>
-                </a:solidFill>
-                <a:latin typeface="Calibri"/>
-              </a:rPr>
-              <a:t> </a:t>
-            </a:r>
-            <a:r>
-              <a:rPr lang="pt-PT" sz="2400" spc="-1" dirty="0" err="1" smtClean="0">
+              <a:rPr lang="pt-PT" sz="2400" spc="-1" dirty="0">
+                <a:solidFill>
+                  <a:srgbClr val="004B87"/>
+                </a:solidFill>
+                <a:latin typeface="Calibri"/>
+              </a:rPr>
+              <a:t>Connect the user to his own </a:t>
+            </a:r>
+            <a:r>
+              <a:rPr lang="en-US" sz="2400" spc="-1" dirty="0">
                 <a:solidFill>
                   <a:srgbClr val="004B87"/>
                 </a:solidFill>
@@ -4874,7 +4529,7 @@
               <a:t>residence</a:t>
             </a:r>
             <a:r>
-              <a:rPr lang="pt-PT" sz="2400" spc="-1" dirty="0" smtClean="0">
+              <a:rPr lang="pt-PT" sz="2400" spc="-1" dirty="0">
                 <a:solidFill>
                   <a:srgbClr val="004B87"/>
                 </a:solidFill>
@@ -4882,12 +4537,6 @@
               </a:rPr>
               <a:t>;</a:t>
             </a:r>
-            <a:endParaRPr lang="pt-PT" sz="2400" spc="-1" dirty="0">
-              <a:solidFill>
-                <a:srgbClr val="004B87"/>
-              </a:solidFill>
-              <a:latin typeface="Calibri"/>
-            </a:endParaRPr>
           </a:p>
           <a:p>
             <a:pPr marL="971910" lvl="1" indent="-514350" algn="just">
@@ -4901,7 +4550,7 @@
               <a:buAutoNum type="romanLcPeriod"/>
             </a:pPr>
             <a:r>
-              <a:rPr lang="pt-PT" sz="2400" spc="-1" dirty="0" err="1" smtClean="0">
+              <a:rPr lang="en-US" sz="2400" spc="-1" noProof="1">
                 <a:solidFill>
                   <a:srgbClr val="004B87"/>
                 </a:solidFill>
@@ -4910,263 +4559,14 @@
               <a:t>Allow</a:t>
             </a:r>
             <a:r>
-              <a:rPr lang="pt-PT" sz="2400" spc="-1" dirty="0" smtClean="0">
-                <a:solidFill>
-                  <a:srgbClr val="004B87"/>
-                </a:solidFill>
-                <a:latin typeface="Calibri"/>
-              </a:rPr>
-              <a:t> </a:t>
-            </a:r>
-            <a:r>
-              <a:rPr lang="pt-PT" sz="2400" spc="-1" dirty="0" err="1" smtClean="0">
-                <a:solidFill>
-                  <a:srgbClr val="004B87"/>
-                </a:solidFill>
-                <a:latin typeface="Calibri"/>
-              </a:rPr>
-              <a:t>the</a:t>
-            </a:r>
-            <a:r>
-              <a:rPr lang="pt-PT" sz="2400" spc="-1" dirty="0" smtClean="0">
-                <a:solidFill>
-                  <a:srgbClr val="004B87"/>
-                </a:solidFill>
-                <a:latin typeface="Calibri"/>
-              </a:rPr>
-              <a:t> </a:t>
-            </a:r>
-            <a:r>
-              <a:rPr lang="pt-PT" sz="2400" spc="-1" dirty="0" err="1" smtClean="0">
-                <a:solidFill>
-                  <a:srgbClr val="004B87"/>
-                </a:solidFill>
-                <a:latin typeface="Calibri"/>
-              </a:rPr>
-              <a:t>user</a:t>
-            </a:r>
-            <a:r>
-              <a:rPr lang="pt-PT" sz="2400" spc="-1" dirty="0" smtClean="0">
-                <a:solidFill>
-                  <a:srgbClr val="004B87"/>
-                </a:solidFill>
-                <a:latin typeface="Calibri"/>
-              </a:rPr>
-              <a:t> to </a:t>
-            </a:r>
-            <a:r>
-              <a:rPr lang="pt-PT" sz="2400" spc="-1" dirty="0" err="1" smtClean="0">
-                <a:solidFill>
-                  <a:srgbClr val="004B87"/>
-                </a:solidFill>
-                <a:latin typeface="Calibri"/>
-              </a:rPr>
-              <a:t>check</a:t>
-            </a:r>
-            <a:r>
-              <a:rPr lang="pt-PT" sz="2400" spc="-1" dirty="0" smtClean="0">
-                <a:solidFill>
-                  <a:srgbClr val="004B87"/>
-                </a:solidFill>
-                <a:latin typeface="Calibri"/>
-              </a:rPr>
-              <a:t> </a:t>
-            </a:r>
-            <a:r>
-              <a:rPr lang="pt-PT" sz="2400" spc="-1" dirty="0" err="1" smtClean="0">
-                <a:solidFill>
-                  <a:srgbClr val="004B87"/>
-                </a:solidFill>
-                <a:latin typeface="Calibri"/>
-              </a:rPr>
-              <a:t>up</a:t>
-            </a:r>
-            <a:r>
-              <a:rPr lang="pt-PT" sz="2400" spc="-1" dirty="0" smtClean="0">
-                <a:solidFill>
-                  <a:srgbClr val="004B87"/>
-                </a:solidFill>
-                <a:latin typeface="Calibri"/>
-              </a:rPr>
-              <a:t> </a:t>
-            </a:r>
-            <a:r>
-              <a:rPr lang="pt-PT" sz="2400" spc="-1" dirty="0" err="1" smtClean="0">
-                <a:solidFill>
-                  <a:srgbClr val="004B87"/>
-                </a:solidFill>
-                <a:latin typeface="Calibri"/>
-              </a:rPr>
-              <a:t>all</a:t>
-            </a:r>
-            <a:r>
-              <a:rPr lang="pt-PT" sz="2400" spc="-1" dirty="0" smtClean="0">
-                <a:solidFill>
-                  <a:srgbClr val="004B87"/>
-                </a:solidFill>
-                <a:latin typeface="Calibri"/>
-              </a:rPr>
-              <a:t> </a:t>
-            </a:r>
-            <a:r>
-              <a:rPr lang="pt-PT" sz="2400" spc="-1" dirty="0" err="1" smtClean="0">
-                <a:solidFill>
-                  <a:srgbClr val="004B87"/>
-                </a:solidFill>
-                <a:latin typeface="Calibri"/>
-              </a:rPr>
-              <a:t>of</a:t>
-            </a:r>
-            <a:r>
-              <a:rPr lang="pt-PT" sz="2400" spc="-1" dirty="0" smtClean="0">
-                <a:solidFill>
-                  <a:srgbClr val="004B87"/>
-                </a:solidFill>
-                <a:latin typeface="Calibri"/>
-              </a:rPr>
-              <a:t> </a:t>
-            </a:r>
-            <a:r>
-              <a:rPr lang="pt-PT" sz="2400" spc="-1" dirty="0" err="1" smtClean="0">
-                <a:solidFill>
-                  <a:srgbClr val="004B87"/>
-                </a:solidFill>
-                <a:latin typeface="Calibri"/>
-              </a:rPr>
-              <a:t>the</a:t>
-            </a:r>
-            <a:r>
-              <a:rPr lang="pt-PT" sz="2400" spc="-1" dirty="0" smtClean="0">
-                <a:solidFill>
-                  <a:srgbClr val="004B87"/>
-                </a:solidFill>
-                <a:latin typeface="Calibri"/>
-              </a:rPr>
-              <a:t> </a:t>
-            </a:r>
-            <a:r>
-              <a:rPr lang="pt-PT" sz="2400" spc="-1" dirty="0" err="1" smtClean="0">
-                <a:solidFill>
-                  <a:srgbClr val="004B87"/>
-                </a:solidFill>
-                <a:latin typeface="Calibri"/>
-              </a:rPr>
-              <a:t>smart</a:t>
-            </a:r>
-            <a:r>
-              <a:rPr lang="pt-PT" sz="2400" spc="-1" dirty="0" smtClean="0">
-                <a:solidFill>
-                  <a:srgbClr val="004B87"/>
-                </a:solidFill>
-                <a:latin typeface="Calibri"/>
-              </a:rPr>
-              <a:t> </a:t>
-            </a:r>
-            <a:r>
-              <a:rPr lang="pt-PT" sz="2400" spc="-1" dirty="0" err="1" smtClean="0">
-                <a:solidFill>
-                  <a:srgbClr val="004B87"/>
-                </a:solidFill>
-                <a:latin typeface="Calibri"/>
-              </a:rPr>
-              <a:t>devices</a:t>
-            </a:r>
-            <a:r>
-              <a:rPr lang="pt-PT" sz="2400" spc="-1" dirty="0" smtClean="0">
-                <a:solidFill>
-                  <a:srgbClr val="004B87"/>
-                </a:solidFill>
-                <a:latin typeface="Calibri"/>
-              </a:rPr>
-              <a:t> </a:t>
-            </a:r>
-            <a:r>
               <a:rPr lang="pt-PT" sz="2400" spc="-1" dirty="0">
                 <a:solidFill>
                   <a:srgbClr val="004B87"/>
                 </a:solidFill>
                 <a:latin typeface="Calibri"/>
               </a:rPr>
-              <a:t>(</a:t>
-            </a:r>
-            <a:r>
-              <a:rPr lang="pt-PT" sz="2400" spc="-1" dirty="0" err="1" smtClean="0">
-                <a:solidFill>
-                  <a:srgbClr val="004B87"/>
-                </a:solidFill>
-                <a:latin typeface="Calibri"/>
-              </a:rPr>
-              <a:t>sensors</a:t>
-            </a:r>
-            <a:r>
-              <a:rPr lang="pt-PT" sz="2400" spc="-1" dirty="0">
-                <a:solidFill>
-                  <a:srgbClr val="004B87"/>
-                </a:solidFill>
-                <a:latin typeface="Calibri"/>
-              </a:rPr>
-              <a:t>,  </a:t>
-            </a:r>
-            <a:r>
-              <a:rPr lang="pt-PT" sz="2400" spc="-1" dirty="0" err="1">
-                <a:solidFill>
-                  <a:srgbClr val="004B87"/>
-                </a:solidFill>
-                <a:latin typeface="Calibri"/>
-              </a:rPr>
-              <a:t>LEDs</a:t>
-            </a:r>
-            <a:r>
-              <a:rPr lang="pt-PT" sz="2400" spc="-1" dirty="0">
-                <a:solidFill>
-                  <a:srgbClr val="004B87"/>
-                </a:solidFill>
-                <a:latin typeface="Calibri"/>
-              </a:rPr>
-              <a:t> </a:t>
-            </a:r>
-            <a:r>
-              <a:rPr lang="pt-PT" sz="2400" spc="-1" dirty="0" err="1" smtClean="0">
-                <a:solidFill>
-                  <a:srgbClr val="004B87"/>
-                </a:solidFill>
-                <a:latin typeface="Calibri"/>
-              </a:rPr>
-              <a:t>and</a:t>
-            </a:r>
-            <a:r>
-              <a:rPr lang="pt-PT" sz="2400" spc="-1" dirty="0" smtClean="0">
-                <a:solidFill>
-                  <a:srgbClr val="004B87"/>
-                </a:solidFill>
-                <a:latin typeface="Calibri"/>
-              </a:rPr>
-              <a:t> </a:t>
-            </a:r>
-            <a:r>
-              <a:rPr lang="pt-PT" sz="2400" spc="-1" dirty="0" err="1" smtClean="0">
-                <a:solidFill>
-                  <a:srgbClr val="004B87"/>
-                </a:solidFill>
-                <a:latin typeface="Calibri"/>
-              </a:rPr>
-              <a:t>engine</a:t>
-            </a:r>
-            <a:r>
-              <a:rPr lang="pt-PT" sz="2400" spc="-1" dirty="0" smtClean="0">
-                <a:solidFill>
-                  <a:srgbClr val="004B87"/>
-                </a:solidFill>
-                <a:latin typeface="Calibri"/>
-              </a:rPr>
-              <a:t>);</a:t>
-            </a:r>
-            <a:endParaRPr lang="pt-PT" sz="2400" spc="-1" dirty="0">
-              <a:solidFill>
-                <a:srgbClr val="004B87"/>
-              </a:solidFill>
-              <a:latin typeface="Calibri"/>
-            </a:endParaRPr>
+              <a:t> the user to check up all of the smart devices (sensors,  LEDs (Light-emitting diode) and engine);</a:t>
+            </a:r>
           </a:p>
           <a:p>
             <a:pPr marL="971910" lvl="1" indent="-514350" algn="just">
@@ -5180,7 +4580,7 @@
               <a:buAutoNum type="romanLcPeriod"/>
             </a:pPr>
             <a:r>
-              <a:rPr lang="pt-PT" sz="2400" spc="-1" dirty="0" err="1" smtClean="0">
+              <a:rPr lang="en-US" sz="2400" spc="-1" dirty="0">
                 <a:solidFill>
                   <a:srgbClr val="004B87"/>
                 </a:solidFill>
@@ -5189,88 +4589,16 @@
               <a:t>Allow</a:t>
             </a:r>
             <a:r>
-              <a:rPr lang="pt-PT" sz="2400" spc="-1" dirty="0" smtClean="0">
-                <a:solidFill>
-                  <a:srgbClr val="004B87"/>
-                </a:solidFill>
-                <a:latin typeface="Calibri"/>
-              </a:rPr>
-              <a:t> </a:t>
-            </a:r>
-            <a:r>
-              <a:rPr lang="pt-PT" sz="2400" spc="-1" dirty="0" err="1" smtClean="0">
-                <a:solidFill>
-                  <a:srgbClr val="004B87"/>
-                </a:solidFill>
-                <a:latin typeface="Calibri"/>
-              </a:rPr>
-              <a:t>the</a:t>
-            </a:r>
-            <a:r>
-              <a:rPr lang="pt-PT" sz="2400" spc="-1" dirty="0" smtClean="0">
-                <a:solidFill>
-                  <a:srgbClr val="004B87"/>
-                </a:solidFill>
-                <a:latin typeface="Calibri"/>
-              </a:rPr>
-              <a:t> </a:t>
-            </a:r>
-            <a:r>
-              <a:rPr lang="pt-PT" sz="2400" spc="-1" dirty="0" err="1" smtClean="0">
-                <a:solidFill>
-                  <a:srgbClr val="004B87"/>
-                </a:solidFill>
-                <a:latin typeface="Calibri"/>
-              </a:rPr>
-              <a:t>manipulation</a:t>
-            </a:r>
-            <a:r>
-              <a:rPr lang="pt-PT" sz="2400" spc="-1" dirty="0" smtClean="0">
-                <a:solidFill>
-                  <a:srgbClr val="004B87"/>
-                </a:solidFill>
-                <a:latin typeface="Calibri"/>
-              </a:rPr>
-              <a:t> </a:t>
-            </a:r>
-            <a:r>
-              <a:rPr lang="pt-PT" sz="2400" spc="-1" dirty="0" err="1" smtClean="0">
-                <a:solidFill>
-                  <a:srgbClr val="004B87"/>
-                </a:solidFill>
-                <a:latin typeface="Calibri"/>
-              </a:rPr>
-              <a:t>of</a:t>
-            </a:r>
-            <a:r>
-              <a:rPr lang="pt-PT" sz="2400" spc="-1" dirty="0" smtClean="0">
-                <a:solidFill>
-                  <a:srgbClr val="004B87"/>
-                </a:solidFill>
-                <a:latin typeface="Calibri"/>
-              </a:rPr>
-              <a:t> </a:t>
-            </a:r>
-            <a:r>
-              <a:rPr lang="pt-PT" sz="2400" spc="-1" dirty="0" err="1" smtClean="0">
-                <a:solidFill>
-                  <a:srgbClr val="004B87"/>
-                </a:solidFill>
-                <a:latin typeface="Calibri"/>
-              </a:rPr>
-              <a:t>every</a:t>
-            </a:r>
-            <a:r>
-              <a:rPr lang="pt-PT" sz="2400" spc="-1" dirty="0" smtClean="0">
-                <a:solidFill>
-                  <a:srgbClr val="004B87"/>
-                </a:solidFill>
-                <a:latin typeface="Calibri"/>
-              </a:rPr>
-              <a:t> </a:t>
-            </a:r>
-            <a:r>
-              <a:rPr lang="pt-PT" sz="2400" spc="-1" smtClean="0">
+              <a:rPr lang="pt-PT" sz="2400" spc="-1" dirty="0">
+                <a:solidFill>
+                  <a:srgbClr val="004B87"/>
+                </a:solidFill>
+                <a:latin typeface="Calibri"/>
+              </a:rPr>
+              <a:t> the manipulation of every </a:t>
+            </a:r>
+            <a:r>
+              <a:rPr lang="en-US" sz="2400" spc="-1" noProof="1">
                 <a:solidFill>
                   <a:srgbClr val="004B87"/>
                 </a:solidFill>
@@ -5279,31 +4607,13 @@
               <a:t>device’s</a:t>
             </a:r>
             <a:r>
-              <a:rPr lang="pt-PT" sz="2400" spc="-1" dirty="0" smtClean="0">
-                <a:solidFill>
-                  <a:srgbClr val="004B87"/>
-                </a:solidFill>
-                <a:latin typeface="Calibri"/>
-              </a:rPr>
-              <a:t> </a:t>
-            </a:r>
-            <a:r>
-              <a:rPr lang="pt-PT" sz="2400" spc="-1" dirty="0" err="1" smtClean="0">
-                <a:solidFill>
-                  <a:srgbClr val="004B87"/>
-                </a:solidFill>
-                <a:latin typeface="Calibri"/>
-              </a:rPr>
-              <a:t>state</a:t>
-            </a:r>
-            <a:r>
-              <a:rPr lang="pt-PT" sz="2400" spc="-1" dirty="0" smtClean="0">
-                <a:solidFill>
-                  <a:srgbClr val="004B87"/>
-                </a:solidFill>
-                <a:latin typeface="Calibri"/>
-              </a:rPr>
-              <a:t>.</a:t>
+              <a:rPr lang="pt-PT" sz="2400" spc="-1" dirty="0">
+                <a:solidFill>
+                  <a:srgbClr val="004B87"/>
+                </a:solidFill>
+                <a:latin typeface="Calibri"/>
+              </a:rPr>
+              <a:t> state.</a:t>
             </a:r>
             <a:endParaRPr lang="en-US" sz="2400" b="0" strike="noStrike" spc="-1" dirty="0">
               <a:latin typeface="Arial"/>
@@ -5336,7 +4646,7 @@
           <p:nvPr/>
         </p:nvPicPr>
         <p:blipFill>
-          <a:blip r:embed="rId19">
+          <a:blip r:embed="rId14">
             <a:extLst>
               <a:ext uri="{28A0092B-C50C-407E-A947-70E740481C1C}">
                 <a14:useLocalDpi xmlns:a14="http://schemas.microsoft.com/office/drawing/2010/main" val="0"/>
@@ -5349,7 +4659,7 @@
         </p:blipFill>
         <p:spPr>
           <a:xfrm>
-            <a:off x="1677960" y="21528729"/>
+            <a:off x="1448265" y="21498124"/>
             <a:ext cx="6087960" cy="4565970"/>
           </a:xfrm>
           <a:prstGeom prst="rect">
@@ -5372,7 +4682,7 @@
           <p:nvPr/>
         </p:nvPicPr>
         <p:blipFill>
-          <a:blip r:embed="rId20">
+          <a:blip r:embed="rId15">
             <a:extLst>
               <a:ext uri="{28A0092B-C50C-407E-A947-70E740481C1C}">
                 <a14:useLocalDpi xmlns:a14="http://schemas.microsoft.com/office/drawing/2010/main" val="0"/>
@@ -5385,14 +4695,94 @@
         </p:blipFill>
         <p:spPr>
           <a:xfrm>
-            <a:off x="9327399" y="21416513"/>
-            <a:ext cx="2887242" cy="5269455"/>
+            <a:off x="9608337" y="21215143"/>
+            <a:ext cx="2671977" cy="4876578"/>
           </a:xfrm>
           <a:prstGeom prst="rect">
             <a:avLst/>
           </a:prstGeom>
         </p:spPr>
       </p:pic>
+      <p:sp>
+        <p:nvSpPr>
+          <p:cNvPr id="2" name="TextBox 1">
+            <a:extLst>
+              <a:ext uri="{FF2B5EF4-FFF2-40B4-BE49-F238E27FC236}">
+                <a16:creationId xmlns:a16="http://schemas.microsoft.com/office/drawing/2014/main" id="{3FF90384-4DF7-D539-DAEC-A280DCBD4077}"/>
+              </a:ext>
+            </a:extLst>
+          </p:cNvPr>
+          <p:cNvSpPr txBox="1"/>
+          <p:nvPr/>
+        </p:nvSpPr>
+        <p:spPr>
+          <a:xfrm>
+            <a:off x="2429286" y="26168119"/>
+            <a:ext cx="4125917" cy="430887"/>
+          </a:xfrm>
+          <a:prstGeom prst="rect">
+            <a:avLst/>
+          </a:prstGeom>
+          <a:noFill/>
+        </p:spPr>
+        <p:txBody>
+          <a:bodyPr wrap="square" rtlCol="0">
+            <a:spAutoFit/>
+          </a:bodyPr>
+          <a:lstStyle/>
+          <a:p>
+            <a:r>
+              <a:rPr lang="en-US" sz="2200" spc="-1" dirty="0">
+                <a:solidFill>
+                  <a:srgbClr val="004B87"/>
+                </a:solidFill>
+                <a:latin typeface="Calibri"/>
+              </a:rPr>
+              <a:t>Figure 1: Smart house model </a:t>
+            </a:r>
+          </a:p>
+        </p:txBody>
+      </p:sp>
+      <p:sp>
+        <p:nvSpPr>
+          <p:cNvPr id="3" name="TextBox 2">
+            <a:extLst>
+              <a:ext uri="{FF2B5EF4-FFF2-40B4-BE49-F238E27FC236}">
+                <a16:creationId xmlns:a16="http://schemas.microsoft.com/office/drawing/2014/main" id="{CDB6AD70-AC0A-2E12-A351-1BB7B3EFEEE8}"/>
+              </a:ext>
+            </a:extLst>
+          </p:cNvPr>
+          <p:cNvSpPr txBox="1"/>
+          <p:nvPr/>
+        </p:nvSpPr>
+        <p:spPr>
+          <a:xfrm>
+            <a:off x="9191162" y="26168119"/>
+            <a:ext cx="3795007" cy="430887"/>
+          </a:xfrm>
+          <a:prstGeom prst="rect">
+            <a:avLst/>
+          </a:prstGeom>
+          <a:noFill/>
+        </p:spPr>
+        <p:txBody>
+          <a:bodyPr wrap="square" rtlCol="0">
+            <a:spAutoFit/>
+          </a:bodyPr>
+          <a:lstStyle/>
+          <a:p>
+            <a:r>
+              <a:rPr lang="en-US" sz="2200" spc="-1" dirty="0">
+                <a:solidFill>
+                  <a:srgbClr val="004B87"/>
+                </a:solidFill>
+                <a:latin typeface="Calibri"/>
+              </a:rPr>
+              <a:t>Figure 2: Application model</a:t>
+            </a:r>
+          </a:p>
+        </p:txBody>
+      </p:sp>
     </p:spTree>
   </p:cSld>
   <p:clrMapOvr>

--- a/Empresa/Documents/poster_PA_ENGLISH.pptx
+++ b/Empresa/Documents/poster_PA_ENGLISH.pptx
@@ -2888,7 +2888,7 @@
         <p:spPr>
           <a:xfrm>
             <a:off x="14247720" y="19076760"/>
-            <a:ext cx="5889960" cy="8057160"/>
+            <a:ext cx="5839920" cy="8057160"/>
           </a:xfrm>
           <a:prstGeom prst="rect">
             <a:avLst/>
@@ -3090,7 +3090,7 @@
         <p:spPr>
           <a:xfrm>
             <a:off x="1525680" y="19916280"/>
-            <a:ext cx="11608200" cy="845381"/>
+            <a:ext cx="11608200" cy="2380865"/>
           </a:xfrm>
           <a:prstGeom prst="rect">
             <a:avLst/>
@@ -3124,13 +3124,13 @@
               </a:lnSpc>
             </a:pPr>
             <a:r>
-              <a:rPr lang="en-US" sz="2400" spc="-1" dirty="0">
-                <a:solidFill>
-                  <a:srgbClr val="004B87"/>
-                </a:solidFill>
-                <a:latin typeface="Calibri"/>
-              </a:rPr>
-              <a:t>A model home was built to simulate a smart residence , equipped with light, temperature, humidity, and movement sensors (figure 1). ***</a:t>
+              <a:rPr lang="en-US" sz="2200" spc="-1" dirty="0">
+                <a:solidFill>
+                  <a:srgbClr val="004B87"/>
+                </a:solidFill>
+                <a:latin typeface="Calibri"/>
+              </a:rPr>
+              <a:t>In summary, our project created a model home simulating a smart residence with light, temperature, humidity, and movement sensors. It featured LEDs, an LCD display, and a servo motor for garage door simulation (Figure 1). An Android application was developed to facilitate control of the residence through a mobile application where the user is capable of connect to is own residence and manipulate the state of his own devices (Figure 2). In conclusion, our project successfully brought to life a model home that emulates the functionalities of a smart residence.</a:t>
             </a:r>
           </a:p>
         </p:txBody>
@@ -3325,7 +3325,7 @@
         <p:spPr>
           <a:xfrm>
             <a:off x="1295985" y="5771880"/>
-            <a:ext cx="5380935" cy="7477516"/>
+            <a:ext cx="5531535" cy="11540167"/>
           </a:xfrm>
           <a:prstGeom prst="rect">
             <a:avLst/>
@@ -3361,11 +3361,20 @@
                 </a:solidFill>
                 <a:latin typeface="Calibri"/>
               </a:rPr>
-              <a:t>IoT, or the Internet of Things, has emerged as one of the most promising technologies of the 21st century, fundamentally changing the way we interact with the world around us [1].</a:t>
+              <a:t>IoT, or the Internet of Things, has emerged as one of the most promising technologies of the 21st century, fundamentally changing the way we interact with the world around us. Its primary goal is to create an environment where objects, devices, and systems are interconnected and capable of autonomously capturing, transmitting, and sharing information. IoT aims to enhance the quality of life for everyone by optimizing company workflows and fostering innovation [1].</a:t>
             </a:r>
           </a:p>
           <a:p>
             <a:pPr algn="just"/>
+            <a:endParaRPr lang="en-US" sz="2400" spc="-1" dirty="0">
+              <a:solidFill>
+                <a:srgbClr val="004B87"/>
+              </a:solidFill>
+              <a:latin typeface="Calibri"/>
+            </a:endParaRPr>
+          </a:p>
+          <a:p>
+            <a:pPr algn="just"/>
             <a:r>
               <a:rPr lang="en-US" sz="2400" spc="-1" dirty="0">
                 <a:solidFill>
@@ -3373,31 +3382,7 @@
                 </a:solidFill>
                 <a:latin typeface="Calibri"/>
               </a:rPr>
-              <a:t> Its primary goal is to create an environment where objects, devices, and systems are interconnected and capable of autonomously capturing, transmitting, and sharing information.</a:t>
-            </a:r>
-          </a:p>
-          <a:p>
-            <a:pPr algn="just"/>
-            <a:r>
-              <a:rPr lang="en-US" sz="2400" spc="-1" dirty="0">
-                <a:solidFill>
-                  <a:srgbClr val="004B87"/>
-                </a:solidFill>
-                <a:latin typeface="Calibri"/>
-              </a:rPr>
-              <a:t>IoT aims to enhance the quality of life for everyone by optimizing company workflows and fostering innovation. Smart houses, driven by IoT, represent a significant breakthrough in the way we develop and interact with our homes.</a:t>
-            </a:r>
-          </a:p>
-          <a:p>
-            <a:pPr algn="just"/>
-            <a:r>
-              <a:rPr lang="en-US" sz="2400" spc="-1" dirty="0">
-                <a:solidFill>
-                  <a:srgbClr val="004B87"/>
-                </a:solidFill>
-                <a:latin typeface="Calibri"/>
-              </a:rPr>
-              <a:t>In essence, IoT is intended to simulate a residence, demonstrating how easy it is to incorporate this technology into our daily lives.</a:t>
+              <a:t>Smart houses, driven by IoT, represent a significant breakthrough in the way we develop and interact with our homes. In essence, IoT is intended to simulate a residence, demonstrating how easy it is to incorporate this technology into our daily lives. Contemporary smart homes seamlessly integrate IoT through dedicated mobile applications, serving as user-friendly interfaces for effortless interaction with smart house features via smartphones. Essentially, these mobile applications play a pivotal role in establishing a direct and user-friendly interface with the intricate IoT infrastructure embedded in contemporary smart homes, marking a significant leap in home automation technology [2].</a:t>
             </a:r>
           </a:p>
         </p:txBody>
@@ -3447,7 +3432,7 @@
                 </a:solidFill>
                 <a:latin typeface="Calibri"/>
               </a:rPr>
-              <a:t>We adopted SCRUM (Sprint, Cycle, Review, Update and Meeting) as our methodology for project management, defining delivery dates and specifying the main roles for each active member of the project [2].</a:t>
+              <a:t>We adopted SCRUM (Sprint, Cycle, Review, Update and Meeting) as our methodology for project management, defining delivery dates and specifying the main roles for each active member of the project [3].</a:t>
             </a:r>
           </a:p>
           <a:p>
@@ -3459,7 +3444,7 @@
                 </a:solidFill>
                 <a:latin typeface="Calibri"/>
               </a:rPr>
-              <a:t>The GIT (Global Information Tracker) platform was chosen to control the various versions of the project during its development [3]. </a:t>
+              <a:t>The GIT (Global Information Tracker) platform was chosen to control the various versions of the project during its development [4]. </a:t>
             </a:r>
           </a:p>
           <a:p>
@@ -3471,7 +3456,7 @@
                 </a:solidFill>
                 <a:latin typeface="Calibri"/>
               </a:rPr>
-              <a:t>Discord served as the platform for online meetings, and Trello was used to organize and manage various tasks  [4].</a:t>
+              <a:t>Discord served as the platform for online meetings, and Trello was used to organize and manage various tasks.</a:t>
             </a:r>
           </a:p>
           <a:p>
@@ -3497,7 +3482,7 @@
         <p:spPr>
           <a:xfrm>
             <a:off x="14247720" y="12299400"/>
-            <a:ext cx="5513040" cy="3153705"/>
+            <a:ext cx="5513040" cy="5077309"/>
           </a:xfrm>
           <a:prstGeom prst="rect">
             <a:avLst/>
@@ -3556,6 +3541,22 @@
               <a:t>We used Android Studio for the development of an Android application, which allows users to manage their residence through it [8].</a:t>
             </a:r>
           </a:p>
+          <a:p>
+            <a:pPr algn="just">
+              <a:lnSpc>
+                <a:spcPts val="2999"/>
+              </a:lnSpc>
+            </a:pPr>
+            <a:r>
+              <a:rPr lang="en-US" sz="2400" spc="-1" dirty="0">
+                <a:solidFill>
+                  <a:srgbClr val="004B87"/>
+                </a:solidFill>
+                <a:latin typeface="Calibri"/>
+              </a:rPr>
+              <a:t>The Arduino IDE (Integrated Development Environment) is an open-source software platform used for programming Arduino boards. We utilized it to program the systems integrated into our model [9].</a:t>
+            </a:r>
+          </a:p>
         </p:txBody>
       </p:sp>
       <p:sp>
@@ -3713,7 +3714,7 @@
         </p:blipFill>
         <p:spPr>
           <a:xfrm>
-            <a:off x="14574240" y="19333080"/>
+            <a:off x="14420880" y="19343880"/>
             <a:ext cx="304560" cy="367920"/>
           </a:xfrm>
           <a:prstGeom prst="rect">
@@ -3732,7 +3733,7 @@
         </p:nvSpPr>
         <p:spPr>
           <a:xfrm>
-            <a:off x="14999760" y="19208160"/>
+            <a:off x="14816538" y="19197360"/>
             <a:ext cx="4761000" cy="639360"/>
           </a:xfrm>
           <a:prstGeom prst="rect">
@@ -3769,7 +3770,7 @@
               </a:lnSpc>
             </a:pPr>
             <a:r>
-              <a:rPr lang="pt-PT" sz="3600" b="1" strike="noStrike" spc="-1">
+              <a:rPr lang="pt-PT" sz="3600" b="1" strike="noStrike" spc="-1" dirty="0">
                 <a:solidFill>
                   <a:srgbClr val="004B87"/>
                 </a:solidFill>
@@ -3905,7 +3906,7 @@
                 </a:solidFill>
                 <a:latin typeface="Calibri"/>
               </a:rPr>
-              <a:t>: ESI 3rd year teachers 2023-2024</a:t>
+              <a:t>: Patricia Leite, Paulo Macedo and Nuno Mendes</a:t>
             </a:r>
             <a:endParaRPr lang="en-US" sz="3200" b="0" strike="noStrike" spc="-1" dirty="0">
               <a:latin typeface="Arial"/>
@@ -3921,8 +3922,8 @@
         </p:nvSpPr>
         <p:spPr>
           <a:xfrm>
-            <a:off x="14457600" y="19916280"/>
-            <a:ext cx="5646600" cy="5476969"/>
+            <a:off x="14306842" y="19867800"/>
+            <a:ext cx="5646600" cy="7631405"/>
           </a:xfrm>
           <a:prstGeom prst="rect">
             <a:avLst/>
@@ -3950,6 +3951,186 @@
           </a:bodyPr>
           <a:lstStyle/>
           <a:p>
+            <a:pPr marL="342900" indent="-342900" algn="just">
+              <a:lnSpc>
+                <a:spcPts val="2100"/>
+              </a:lnSpc>
+              <a:buFont typeface="+mj-lt"/>
+              <a:buAutoNum type="arabicPeriod"/>
+            </a:pPr>
+            <a:r>
+              <a:rPr lang="pt-PT" sz="1400" spc="-1" dirty="0">
+                <a:solidFill>
+                  <a:srgbClr val="004B87"/>
+                </a:solidFill>
+                <a:latin typeface="Calibri"/>
+              </a:rPr>
+              <a:t>What Is the Internet of Things (IoT)? (n.d.). Oracle. https://www.oracle.com/en/internet-of-things/what-is-iot</a:t>
+            </a:r>
+          </a:p>
+          <a:p>
+            <a:pPr marL="342900" indent="-342900" algn="just">
+              <a:lnSpc>
+                <a:spcPts val="2100"/>
+              </a:lnSpc>
+              <a:buFont typeface="+mj-lt"/>
+              <a:buAutoNum type="arabicPeriod"/>
+            </a:pPr>
+            <a:r>
+              <a:rPr lang="pt-PT" sz="1400" spc="-1" dirty="0">
+                <a:solidFill>
+                  <a:srgbClr val="004B87"/>
+                </a:solidFill>
+                <a:latin typeface="Calibri"/>
+              </a:rPr>
+              <a:t>Aliza Vigderman, &amp; Gabe Turner. (2024, January 3). What Is Home Automation and How Does It Work? Security.Org. https://www.security.org/home-automation/</a:t>
+            </a:r>
+          </a:p>
+          <a:p>
+            <a:pPr marL="342900" indent="-342900" algn="just">
+              <a:lnSpc>
+                <a:spcPts val="2100"/>
+              </a:lnSpc>
+              <a:buFont typeface="+mj-lt"/>
+              <a:buAutoNum type="arabicPeriod"/>
+            </a:pPr>
+            <a:r>
+              <a:rPr lang="pt-PT" sz="1400" spc="-1" dirty="0">
+                <a:solidFill>
+                  <a:srgbClr val="004B87"/>
+                </a:solidFill>
+                <a:latin typeface="Calibri"/>
+              </a:rPr>
+              <a:t>Ben Lutkevich. (2021, October). What is Scrum? https://www.techtarget.com/searchsoftwarequality/definition/Scrum</a:t>
+            </a:r>
+          </a:p>
+          <a:p>
+            <a:pPr marL="342900" indent="-342900" algn="just">
+              <a:lnSpc>
+                <a:spcPts val="2100"/>
+              </a:lnSpc>
+              <a:buFont typeface="+mj-lt"/>
+              <a:buAutoNum type="arabicPeriod"/>
+            </a:pPr>
+            <a:r>
+              <a:rPr lang="pt-PT" sz="1400" spc="-1" dirty="0">
+                <a:solidFill>
+                  <a:srgbClr val="004B87"/>
+                </a:solidFill>
+                <a:latin typeface="Calibri"/>
+              </a:rPr>
+              <a:t>Getting Started - What is Git? (n.d.). Git--Fast-Version-Control. https://git-scm.com/book/en/v2/Getting-Started-What-is-Git%3F</a:t>
+            </a:r>
+          </a:p>
+          <a:p>
+            <a:pPr marL="342900" indent="-342900" algn="just">
+              <a:lnSpc>
+                <a:spcPts val="2100"/>
+              </a:lnSpc>
+              <a:buFont typeface="+mj-lt"/>
+              <a:buAutoNum type="arabicPeriod"/>
+            </a:pPr>
+            <a:r>
+              <a:rPr lang="pt-PT" sz="1400" spc="-1" dirty="0">
+                <a:solidFill>
+                  <a:srgbClr val="004B87"/>
+                </a:solidFill>
+                <a:latin typeface="Calibri"/>
+              </a:rPr>
+              <a:t>What is the Visual Studio IDE? (2023, October 24). Microsoft Learn. https://learn.microsoft.com/en-us/visualstudio/get-started/visual-studio-ide?view=vs-2022</a:t>
+            </a:r>
+          </a:p>
+          <a:p>
+            <a:pPr marL="342900" indent="-342900" algn="just">
+              <a:lnSpc>
+                <a:spcPts val="2100"/>
+              </a:lnSpc>
+              <a:buFont typeface="+mj-lt"/>
+              <a:buAutoNum type="arabicPeriod"/>
+            </a:pPr>
+            <a:r>
+              <a:rPr lang="pt-PT" sz="1400" spc="-1" dirty="0">
+                <a:solidFill>
+                  <a:srgbClr val="004B87"/>
+                </a:solidFill>
+                <a:latin typeface="Calibri"/>
+              </a:rPr>
+              <a:t>What is a API? – </a:t>
+            </a:r>
+            <a:r>
+              <a:rPr lang="en-US" sz="1400" spc="-1" dirty="0">
+                <a:solidFill>
+                  <a:srgbClr val="004B87"/>
+                </a:solidFill>
+                <a:latin typeface="Calibri"/>
+              </a:rPr>
+              <a:t>Explanation about Application Programming Interfaces</a:t>
+            </a:r>
+            <a:r>
+              <a:rPr lang="pt-PT" sz="1400" spc="-1" dirty="0">
+                <a:solidFill>
+                  <a:srgbClr val="004B87"/>
+                </a:solidFill>
+                <a:latin typeface="Calibri"/>
+              </a:rPr>
+              <a:t>. (n.d.). AWS. https://aws.amazon.com/en/what-is/api/</a:t>
+            </a:r>
+          </a:p>
+          <a:p>
+            <a:pPr marL="342900" indent="-342900" algn="just">
+              <a:lnSpc>
+                <a:spcPts val="2100"/>
+              </a:lnSpc>
+              <a:buFont typeface="+mj-lt"/>
+              <a:buAutoNum type="arabicPeriod"/>
+            </a:pPr>
+            <a:r>
+              <a:rPr lang="pt-PT" sz="1400" spc="-1" dirty="0">
+                <a:solidFill>
+                  <a:srgbClr val="004B87"/>
+                </a:solidFill>
+                <a:latin typeface="Calibri"/>
+              </a:rPr>
+              <a:t>What is SQL? (Structured Query Language) ? (n.d.). AWS. https://aws.amazon.com/en/what-is/sql/</a:t>
+            </a:r>
+          </a:p>
+          <a:p>
+            <a:pPr marL="342900" indent="-342900" algn="just">
+              <a:lnSpc>
+                <a:spcPts val="2100"/>
+              </a:lnSpc>
+              <a:buFont typeface="+mj-lt"/>
+              <a:buAutoNum type="arabicPeriod"/>
+            </a:pPr>
+            <a:r>
+              <a:rPr lang="pt-PT" sz="1400" spc="-1" dirty="0">
+                <a:solidFill>
+                  <a:srgbClr val="004B87"/>
+                </a:solidFill>
+                <a:latin typeface="Calibri"/>
+              </a:rPr>
+              <a:t>Meet Android Studio. (2023, December 13). Android Developers. https://developer.android.com/studio/intro?hl=en</a:t>
+            </a:r>
+          </a:p>
+          <a:p>
+            <a:pPr marL="342900" indent="-342900" algn="just">
+              <a:lnSpc>
+                <a:spcPts val="2100"/>
+              </a:lnSpc>
+              <a:buFont typeface="+mj-lt"/>
+              <a:buAutoNum type="arabicPeriod"/>
+            </a:pPr>
+            <a:r>
+              <a:rPr lang="pt-PT" sz="1400" spc="-1" dirty="0">
+                <a:solidFill>
+                  <a:srgbClr val="004B87"/>
+                </a:solidFill>
+                <a:latin typeface="Calibri"/>
+              </a:rPr>
+              <a:t>Liam Aljundi. (2024, January 4). Using the Arduino Software (IDE). Arduino Documentation. https://docs.arduino.cc/learn/starting-guide/the-arduino-software-ide</a:t>
+            </a:r>
+          </a:p>
+          <a:p>
             <a:pPr marL="457200" indent="-457200" algn="just">
               <a:lnSpc>
                 <a:spcPts val="2100"/>
@@ -3957,194 +4138,6 @@
               <a:buFont typeface="+mj-lt"/>
               <a:buAutoNum type="arabicPeriod"/>
             </a:pPr>
-            <a:r>
-              <a:rPr lang="pt-PT" sz="2400" spc="-1" dirty="0">
-                <a:solidFill>
-                  <a:srgbClr val="004B87"/>
-                </a:solidFill>
-                <a:latin typeface="Calibri"/>
-                <a:hlinkClick r:id="rId3"/>
-              </a:rPr>
-              <a:t>https://www.oracle.com/pt/internet-of-things/what-is-iot/</a:t>
-            </a:r>
-            <a:r>
-              <a:rPr lang="pt-PT" sz="2400" spc="-1" dirty="0">
-                <a:solidFill>
-                  <a:srgbClr val="004B87"/>
-                </a:solidFill>
-                <a:latin typeface="Calibri"/>
-              </a:rPr>
-              <a:t> </a:t>
-            </a:r>
-          </a:p>
-          <a:p>
-            <a:pPr marL="457200" indent="-457200" algn="just">
-              <a:lnSpc>
-                <a:spcPts val="2100"/>
-              </a:lnSpc>
-              <a:buFont typeface="+mj-lt"/>
-              <a:buAutoNum type="arabicPeriod"/>
-            </a:pPr>
-            <a:r>
-              <a:rPr lang="pt-PT" sz="2400" spc="-1" dirty="0">
-                <a:solidFill>
-                  <a:srgbClr val="004B87"/>
-                </a:solidFill>
-                <a:latin typeface="Calibri"/>
-                <a:hlinkClick r:id="rId4"/>
-              </a:rPr>
-              <a:t>https://www.techtarget.com/searchsoftwarequality/definition/Scrum</a:t>
-            </a:r>
-            <a:endParaRPr lang="pt-PT" sz="2400" spc="-1" dirty="0">
-              <a:solidFill>
-                <a:srgbClr val="004B87"/>
-              </a:solidFill>
-              <a:latin typeface="Calibri"/>
-            </a:endParaRPr>
-          </a:p>
-          <a:p>
-            <a:pPr marL="457200" indent="-457200" algn="just">
-              <a:lnSpc>
-                <a:spcPts val="2100"/>
-              </a:lnSpc>
-              <a:buFont typeface="+mj-lt"/>
-              <a:buAutoNum type="arabicPeriod"/>
-            </a:pPr>
-            <a:r>
-              <a:rPr lang="pt-PT" sz="2400" spc="-1" dirty="0">
-                <a:solidFill>
-                  <a:srgbClr val="004B87"/>
-                </a:solidFill>
-                <a:latin typeface="Calibri"/>
-                <a:hlinkClick r:id="rId5"/>
-              </a:rPr>
-              <a:t>https://git-scm.com/book/en/v2/Getting-Started-What-is-Git%3F</a:t>
-            </a:r>
-            <a:endParaRPr lang="pt-PT" sz="2400" spc="-1" dirty="0">
-              <a:solidFill>
-                <a:srgbClr val="004B87"/>
-              </a:solidFill>
-              <a:latin typeface="Calibri"/>
-            </a:endParaRPr>
-          </a:p>
-          <a:p>
-            <a:pPr marL="457200" indent="-457200" algn="just">
-              <a:lnSpc>
-                <a:spcPts val="2100"/>
-              </a:lnSpc>
-              <a:buFont typeface="+mj-lt"/>
-              <a:buAutoNum type="arabicPeriod"/>
-            </a:pPr>
-            <a:r>
-              <a:rPr lang="pt-PT" sz="2400" spc="-1" dirty="0">
-                <a:solidFill>
-                  <a:srgbClr val="004B87"/>
-                </a:solidFill>
-                <a:latin typeface="Calibri"/>
-                <a:hlinkClick r:id="rId6"/>
-              </a:rPr>
-              <a:t>https://discord.com/</a:t>
-            </a:r>
-            <a:endParaRPr lang="pt-PT" sz="2400" spc="-1" dirty="0">
-              <a:solidFill>
-                <a:srgbClr val="004B87"/>
-              </a:solidFill>
-              <a:latin typeface="Calibri"/>
-            </a:endParaRPr>
-          </a:p>
-          <a:p>
-            <a:pPr marL="457200" indent="-457200" algn="just">
-              <a:lnSpc>
-                <a:spcPts val="2100"/>
-              </a:lnSpc>
-              <a:buFont typeface="+mj-lt"/>
-              <a:buAutoNum type="arabicPeriod"/>
-            </a:pPr>
-            <a:r>
-              <a:rPr lang="pt-PT" sz="2400" spc="-1" dirty="0">
-                <a:solidFill>
-                  <a:srgbClr val="004B87"/>
-                </a:solidFill>
-                <a:latin typeface="Calibri"/>
-                <a:hlinkClick r:id="rId7"/>
-              </a:rPr>
-              <a:t>https://learn.microsoft.com/en-us/visualstudio/get-started/visual-studio-ide?view=vs-2022</a:t>
-            </a:r>
-            <a:endParaRPr lang="pt-PT" sz="2400" spc="-1" dirty="0">
-              <a:solidFill>
-                <a:srgbClr val="004B87"/>
-              </a:solidFill>
-              <a:latin typeface="Calibri"/>
-            </a:endParaRPr>
-          </a:p>
-          <a:p>
-            <a:pPr marL="457200" indent="-457200" algn="just">
-              <a:lnSpc>
-                <a:spcPts val="2100"/>
-              </a:lnSpc>
-              <a:buFont typeface="+mj-lt"/>
-              <a:buAutoNum type="arabicPeriod"/>
-            </a:pPr>
-            <a:r>
-              <a:rPr lang="pt-PT" sz="2400" spc="-1" dirty="0">
-                <a:solidFill>
-                  <a:srgbClr val="004B87"/>
-                </a:solidFill>
-                <a:latin typeface="Calibri"/>
-                <a:hlinkClick r:id="rId8"/>
-              </a:rPr>
-              <a:t>https://aws.amazon.com/what-is/api/</a:t>
-            </a:r>
-            <a:endParaRPr lang="pt-PT" sz="2400" spc="-1" dirty="0">
-              <a:solidFill>
-                <a:srgbClr val="004B87"/>
-              </a:solidFill>
-              <a:latin typeface="Calibri"/>
-            </a:endParaRPr>
-          </a:p>
-          <a:p>
-            <a:pPr marL="457200" indent="-457200" algn="just">
-              <a:lnSpc>
-                <a:spcPts val="2100"/>
-              </a:lnSpc>
-              <a:buFont typeface="+mj-lt"/>
-              <a:buAutoNum type="arabicPeriod"/>
-            </a:pPr>
-            <a:r>
-              <a:rPr lang="pt-PT" sz="2400" spc="-1" dirty="0">
-                <a:solidFill>
-                  <a:srgbClr val="004B87"/>
-                </a:solidFill>
-                <a:latin typeface="Calibri"/>
-                <a:hlinkClick r:id="rId9"/>
-              </a:rPr>
-              <a:t>https://aws.amazon.com/what-is/sql/</a:t>
-            </a:r>
-            <a:endParaRPr lang="pt-PT" sz="2400" spc="-1" dirty="0">
-              <a:solidFill>
-                <a:srgbClr val="004B87"/>
-              </a:solidFill>
-              <a:latin typeface="Calibri"/>
-            </a:endParaRPr>
-          </a:p>
-          <a:p>
-            <a:pPr marL="457200" indent="-457200" algn="just">
-              <a:lnSpc>
-                <a:spcPts val="2100"/>
-              </a:lnSpc>
-              <a:buFont typeface="+mj-lt"/>
-              <a:buAutoNum type="arabicPeriod"/>
-            </a:pPr>
-            <a:r>
-              <a:rPr lang="pt-PT" sz="2400" spc="-1" dirty="0">
-                <a:solidFill>
-                  <a:srgbClr val="004B87"/>
-                </a:solidFill>
-                <a:latin typeface="Calibri"/>
-                <a:hlinkClick r:id="rId10"/>
-              </a:rPr>
-              <a:t>https://developer.android.com/studio/intro</a:t>
-            </a:r>
             <a:endParaRPr lang="pt-PT" sz="2400" spc="-1" dirty="0">
               <a:solidFill>
                 <a:srgbClr val="004B87"/>
@@ -4317,7 +4310,7 @@
                 </a:solidFill>
                 <a:latin typeface="Calibri"/>
                 <a:ea typeface="Arial"/>
-                <a:hlinkClick r:id="rId11"/>
+                <a:hlinkClick r:id="rId3"/>
               </a:rPr>
               <a:t>a16622@alunos.ipca.pt</a:t>
             </a:r>
@@ -4353,7 +4346,7 @@
                   <a:srgbClr val="004B87"/>
                 </a:solidFill>
                 <a:latin typeface="Calibri"/>
-                <a:hlinkClick r:id="rId12"/>
+                <a:hlinkClick r:id="rId4"/>
               </a:rPr>
               <a:t>a23504@alunos.ipca.pt</a:t>
             </a:r>
@@ -4388,7 +4381,7 @@
                   <a:srgbClr val="004B87"/>
                 </a:solidFill>
                 <a:latin typeface="Calibri"/>
-                <a:hlinkClick r:id="rId13"/>
+                <a:hlinkClick r:id="rId5"/>
               </a:rPr>
               <a:t>a23516@alunos.ipca</a:t>
             </a:r>
@@ -4398,7 +4391,7 @@
                   <a:srgbClr val="004B87"/>
                 </a:solidFill>
                 <a:latin typeface="Calibri"/>
-                <a:hlinkClick r:id="rId13"/>
+                <a:hlinkClick r:id="rId5"/>
               </a:rPr>
               <a:t>.pt</a:t>
             </a:r>
@@ -4646,7 +4639,7 @@
           <p:nvPr/>
         </p:nvPicPr>
         <p:blipFill>
-          <a:blip r:embed="rId14">
+          <a:blip r:embed="rId6">
             <a:extLst>
               <a:ext uri="{28A0092B-C50C-407E-A947-70E740481C1C}">
                 <a14:useLocalDpi xmlns:a14="http://schemas.microsoft.com/office/drawing/2010/main" val="0"/>
@@ -4659,8 +4652,8 @@
         </p:blipFill>
         <p:spPr>
           <a:xfrm>
-            <a:off x="1448265" y="21498124"/>
-            <a:ext cx="6087960" cy="4565970"/>
+            <a:off x="1525681" y="22512424"/>
+            <a:ext cx="5339076" cy="4004307"/>
           </a:xfrm>
           <a:prstGeom prst="rect">
             <a:avLst/>
@@ -4682,7 +4675,7 @@
           <p:nvPr/>
         </p:nvPicPr>
         <p:blipFill>
-          <a:blip r:embed="rId15">
+          <a:blip r:embed="rId7">
             <a:extLst>
               <a:ext uri="{28A0092B-C50C-407E-A947-70E740481C1C}">
                 <a14:useLocalDpi xmlns:a14="http://schemas.microsoft.com/office/drawing/2010/main" val="0"/>
@@ -4695,8 +4688,8 @@
         </p:blipFill>
         <p:spPr>
           <a:xfrm>
-            <a:off x="9608337" y="21215143"/>
-            <a:ext cx="2671977" cy="4876578"/>
+            <a:off x="9826296" y="22297145"/>
+            <a:ext cx="2296654" cy="4191584"/>
           </a:xfrm>
           <a:prstGeom prst="rect">
             <a:avLst/>
@@ -4717,7 +4710,7 @@
         </p:nvSpPr>
         <p:spPr>
           <a:xfrm>
-            <a:off x="2429286" y="26168119"/>
+            <a:off x="2429286" y="26488730"/>
             <a:ext cx="4125917" cy="430887"/>
           </a:xfrm>
           <a:prstGeom prst="rect">
@@ -4757,7 +4750,7 @@
         </p:nvSpPr>
         <p:spPr>
           <a:xfrm>
-            <a:off x="9191162" y="26168119"/>
+            <a:off x="9338873" y="26488729"/>
             <a:ext cx="3795007" cy="430887"/>
           </a:xfrm>
           <a:prstGeom prst="rect">

--- a/Empresa/Documents/poster_PA_ENGLISH.pptx
+++ b/Empresa/Documents/poster_PA_ENGLISH.pptx
@@ -4284,42 +4284,29 @@
               </a:spcAft>
             </a:pPr>
             <a:r>
-              <a:rPr lang="en-GB" sz="1800" b="0" strike="noStrike" spc="-1" dirty="0">
-                <a:solidFill>
-                  <a:srgbClr val="004B87"/>
-                </a:solidFill>
-                <a:latin typeface="Calibri"/>
-                <a:ea typeface="Arial"/>
-              </a:rPr>
-              <a:t>Email</a:t>
-            </a:r>
-            <a:r>
               <a:rPr lang="en-GB" spc="-1" dirty="0">
                 <a:solidFill>
                   <a:srgbClr val="004B87"/>
                 </a:solidFill>
                 <a:latin typeface="Calibri"/>
-                <a:ea typeface="Arial"/>
-              </a:rPr>
-              <a:t> of Francisco Arantes: </a:t>
-            </a:r>
-            <a:r>
-              <a:rPr lang="en-GB" sz="1800" b="0" strike="noStrike" spc="-1" dirty="0">
-                <a:solidFill>
-                  <a:srgbClr val="004B87"/>
-                </a:solidFill>
-                <a:latin typeface="Calibri"/>
-                <a:ea typeface="Arial"/>
+              </a:rPr>
+              <a:t>Email of Tiago Oliveira: </a:t>
+            </a:r>
+            <a:r>
+              <a:rPr lang="en-GB" spc="-1" dirty="0">
+                <a:solidFill>
+                  <a:srgbClr val="004B87"/>
+                </a:solidFill>
+                <a:latin typeface="Calibri"/>
                 <a:hlinkClick r:id="rId3"/>
               </a:rPr>
-              <a:t>a16622@alunos.ipca.pt</a:t>
-            </a:r>
-            <a:endParaRPr lang="en-GB" sz="1800" b="0" strike="noStrike" spc="-1" dirty="0">
+              <a:t>a23504@alunos.ipca.pt</a:t>
+            </a:r>
+            <a:endParaRPr lang="en-GB" spc="-1" dirty="0">
               <a:solidFill>
                 <a:srgbClr val="004B87"/>
               </a:solidFill>
               <a:latin typeface="Calibri"/>
-              <a:ea typeface="Arial"/>
             </a:endParaRPr>
           </a:p>
           <a:p>
@@ -4332,23 +4319,35 @@
               </a:spcAft>
             </a:pPr>
             <a:r>
-              <a:rPr lang="en-GB" spc="-1" dirty="0">
-                <a:solidFill>
-                  <a:srgbClr val="004B87"/>
-                </a:solidFill>
-                <a:latin typeface="Calibri"/>
-              </a:rPr>
-              <a:t>Email of Tiago Oliveira: </a:t>
-            </a:r>
-            <a:r>
-              <a:rPr lang="en-GB" spc="-1" dirty="0">
-                <a:solidFill>
-                  <a:srgbClr val="004B87"/>
-                </a:solidFill>
-                <a:latin typeface="Calibri"/>
+              <a:rPr lang="en-GB" sz="1800" b="0" strike="noStrike" spc="-1">
+                <a:solidFill>
+                  <a:srgbClr val="004B87"/>
+                </a:solidFill>
+                <a:latin typeface="Calibri"/>
+                <a:ea typeface="Arial"/>
+              </a:rPr>
+              <a:t>Email</a:t>
+            </a:r>
+            <a:r>
+              <a:rPr lang="en-GB" spc="-1">
+                <a:solidFill>
+                  <a:srgbClr val="004B87"/>
+                </a:solidFill>
+                <a:latin typeface="Calibri"/>
+                <a:ea typeface="Arial"/>
+              </a:rPr>
+              <a:t> of Francisco Arantes: </a:t>
+            </a:r>
+            <a:r>
+              <a:rPr lang="en-GB" sz="1800" b="0" strike="noStrike" spc="-1">
+                <a:solidFill>
+                  <a:srgbClr val="004B87"/>
+                </a:solidFill>
+                <a:latin typeface="Calibri"/>
+                <a:ea typeface="Arial"/>
                 <a:hlinkClick r:id="rId4"/>
               </a:rPr>
-              <a:t>a23504@alunos.ipca.pt</a:t>
+              <a:t>a16622@alunos.ipca.pt</a:t>
             </a:r>
             <a:endParaRPr lang="en-GB" spc="-1" dirty="0">
               <a:solidFill>

--- a/Empresa/Documents/poster_PA_ENGLISH.pptx
+++ b/Empresa/Documents/poster_PA_ENGLISH.pptx
@@ -4293,14 +4293,15 @@
               <a:t>Email of Tiago Oliveira: </a:t>
             </a:r>
             <a:r>
-              <a:rPr lang="en-GB" spc="-1" dirty="0">
-                <a:solidFill>
-                  <a:srgbClr val="004B87"/>
-                </a:solidFill>
-                <a:latin typeface="Calibri"/>
+              <a:rPr lang="en-GB" sz="1800" b="0" strike="noStrike" spc="-1" dirty="0">
+                <a:solidFill>
+                  <a:srgbClr val="004B87"/>
+                </a:solidFill>
+                <a:latin typeface="Calibri"/>
+                <a:ea typeface="Arial"/>
                 <a:hlinkClick r:id="rId3"/>
               </a:rPr>
-              <a:t>a23504@alunos.ipca.pt</a:t>
+              <a:t>a16622@alunos.ipca.pt</a:t>
             </a:r>
             <a:endParaRPr lang="en-GB" spc="-1" dirty="0">
               <a:solidFill>
@@ -4319,7 +4320,7 @@
               </a:spcAft>
             </a:pPr>
             <a:r>
-              <a:rPr lang="en-GB" sz="1800" b="0" strike="noStrike" spc="-1">
+              <a:rPr lang="en-GB" sz="1800" b="0" strike="noStrike" spc="-1" dirty="0">
                 <a:solidFill>
                   <a:srgbClr val="004B87"/>
                 </a:solidFill>
@@ -4329,7 +4330,7 @@
               <a:t>Email</a:t>
             </a:r>
             <a:r>
-              <a:rPr lang="en-GB" spc="-1">
+              <a:rPr lang="en-GB" spc="-1" dirty="0">
                 <a:solidFill>
                   <a:srgbClr val="004B87"/>
                 </a:solidFill>
@@ -4339,15 +4340,14 @@
               <a:t> of Francisco Arantes: </a:t>
             </a:r>
             <a:r>
-              <a:rPr lang="en-GB" sz="1800" b="0" strike="noStrike" spc="-1">
-                <a:solidFill>
-                  <a:srgbClr val="004B87"/>
-                </a:solidFill>
-                <a:latin typeface="Calibri"/>
-                <a:ea typeface="Arial"/>
+              <a:rPr lang="en-GB" spc="-1" dirty="0">
+                <a:solidFill>
+                  <a:srgbClr val="004B87"/>
+                </a:solidFill>
+                <a:latin typeface="Calibri"/>
                 <a:hlinkClick r:id="rId4"/>
               </a:rPr>
-              <a:t>a16622@alunos.ipca.pt</a:t>
+              <a:t>a23504@alunos.ipca.pt</a:t>
             </a:r>
             <a:endParaRPr lang="en-GB" spc="-1" dirty="0">
               <a:solidFill>
